--- a/課題研究/2016/須山武弘/最終発表/ポスター 須山武弘.pptx
+++ b/課題研究/2016/須山武弘/最終発表/ポスター 須山武弘.pptx
@@ -8,7 +8,7 @@
     <p:notesMasterId r:id="rId3"/>
   </p:notesMasterIdLst>
   <p:sldIdLst>
-    <p:sldId id="260" r:id="rId2"/>
+    <p:sldId id="261" r:id="rId2"/>
   </p:sldIdLst>
   <p:sldSz cx="21386800" cy="30279975"/>
   <p:notesSz cx="6797675" cy="9926638"/>
@@ -113,12 +113,12 @@
   <p:extLst>
     <p:ext uri="{EFAFB233-063F-42B5-8137-9DF3F51BA10A}">
       <p15:sldGuideLst xmlns:p15="http://schemas.microsoft.com/office/powerpoint/2012/main">
-        <p15:guide id="1" orient="horz" pos="9582" userDrawn="1">
+        <p15:guide id="2" pos="6691" userDrawn="1">
           <p15:clr>
             <a:srgbClr val="A4A3A4"/>
           </p15:clr>
         </p15:guide>
-        <p15:guide id="2" pos="6691" userDrawn="1">
+        <p15:guide id="3" orient="horz" pos="9537" userDrawn="1">
           <p15:clr>
             <a:srgbClr val="A4A3A4"/>
           </p15:clr>
@@ -211,7 +211,7 @@
           <a:p>
             <a:fld id="{1355B614-8C80-42CD-A0C7-A8AC0A708725}" type="datetimeFigureOut">
               <a:rPr kumimoji="1" lang="ja-JP" altLang="en-US" smtClean="0"/>
-              <a:t>2016/12/12</a:t>
+              <a:t>2016/12/15</a:t>
             </a:fld>
             <a:endParaRPr kumimoji="1" lang="ja-JP" altLang="en-US"/>
           </a:p>
@@ -585,7 +585,7 @@
     </p:spTree>
     <p:extLst>
       <p:ext uri="{BB962C8B-B14F-4D97-AF65-F5344CB8AC3E}">
-        <p14:creationId xmlns:p14="http://schemas.microsoft.com/office/powerpoint/2010/main" val="1430594486"/>
+        <p14:creationId xmlns:p14="http://schemas.microsoft.com/office/powerpoint/2010/main" val="2009578902"/>
       </p:ext>
     </p:extLst>
   </p:cSld>
@@ -726,7 +726,7 @@
           <a:p>
             <a:fld id="{CD18CB5A-6947-405F-A94A-52FF85729738}" type="datetimeFigureOut">
               <a:rPr kumimoji="1" lang="ja-JP" altLang="en-US" smtClean="0"/>
-              <a:t>2016/12/12</a:t>
+              <a:t>2016/12/15</a:t>
             </a:fld>
             <a:endParaRPr kumimoji="1" lang="ja-JP" altLang="en-US"/>
           </a:p>
@@ -935,7 +935,7 @@
           <a:p>
             <a:fld id="{CD18CB5A-6947-405F-A94A-52FF85729738}" type="datetimeFigureOut">
               <a:rPr kumimoji="1" lang="ja-JP" altLang="en-US" smtClean="0"/>
-              <a:t>2016/12/12</a:t>
+              <a:t>2016/12/15</a:t>
             </a:fld>
             <a:endParaRPr kumimoji="1" lang="ja-JP" altLang="en-US"/>
           </a:p>
@@ -1147,7 +1147,7 @@
           <a:p>
             <a:fld id="{CD18CB5A-6947-405F-A94A-52FF85729738}" type="datetimeFigureOut">
               <a:rPr kumimoji="1" lang="ja-JP" altLang="en-US" smtClean="0"/>
-              <a:t>2016/12/12</a:t>
+              <a:t>2016/12/15</a:t>
             </a:fld>
             <a:endParaRPr kumimoji="1" lang="ja-JP" altLang="en-US"/>
           </a:p>
@@ -1349,7 +1349,7 @@
           <a:p>
             <a:fld id="{CD18CB5A-6947-405F-A94A-52FF85729738}" type="datetimeFigureOut">
               <a:rPr kumimoji="1" lang="ja-JP" altLang="en-US" smtClean="0"/>
-              <a:t>2016/12/12</a:t>
+              <a:t>2016/12/15</a:t>
             </a:fld>
             <a:endParaRPr kumimoji="1" lang="ja-JP" altLang="en-US"/>
           </a:p>
@@ -1602,7 +1602,7 @@
           <a:p>
             <a:fld id="{CD18CB5A-6947-405F-A94A-52FF85729738}" type="datetimeFigureOut">
               <a:rPr kumimoji="1" lang="ja-JP" altLang="en-US" smtClean="0"/>
-              <a:t>2016/12/12</a:t>
+              <a:t>2016/12/15</a:t>
             </a:fld>
             <a:endParaRPr kumimoji="1" lang="ja-JP" altLang="en-US"/>
           </a:p>
@@ -1905,7 +1905,7 @@
           <a:p>
             <a:fld id="{CD18CB5A-6947-405F-A94A-52FF85729738}" type="datetimeFigureOut">
               <a:rPr kumimoji="1" lang="ja-JP" altLang="en-US" smtClean="0"/>
-              <a:t>2016/12/12</a:t>
+              <a:t>2016/12/15</a:t>
             </a:fld>
             <a:endParaRPr kumimoji="1" lang="ja-JP" altLang="en-US"/>
           </a:p>
@@ -2336,7 +2336,7 @@
           <a:p>
             <a:fld id="{CD18CB5A-6947-405F-A94A-52FF85729738}" type="datetimeFigureOut">
               <a:rPr kumimoji="1" lang="ja-JP" altLang="en-US" smtClean="0"/>
-              <a:t>2016/12/12</a:t>
+              <a:t>2016/12/15</a:t>
             </a:fld>
             <a:endParaRPr kumimoji="1" lang="ja-JP" altLang="en-US"/>
           </a:p>
@@ -2454,7 +2454,7 @@
           <a:p>
             <a:fld id="{CD18CB5A-6947-405F-A94A-52FF85729738}" type="datetimeFigureOut">
               <a:rPr kumimoji="1" lang="ja-JP" altLang="en-US" smtClean="0"/>
-              <a:t>2016/12/12</a:t>
+              <a:t>2016/12/15</a:t>
             </a:fld>
             <a:endParaRPr kumimoji="1" lang="ja-JP" altLang="en-US"/>
           </a:p>
@@ -2556,7 +2556,7 @@
           <a:p>
             <a:fld id="{CD18CB5A-6947-405F-A94A-52FF85729738}" type="datetimeFigureOut">
               <a:rPr kumimoji="1" lang="ja-JP" altLang="en-US" smtClean="0"/>
-              <a:t>2016/12/12</a:t>
+              <a:t>2016/12/15</a:t>
             </a:fld>
             <a:endParaRPr kumimoji="1" lang="ja-JP" altLang="en-US"/>
           </a:p>
@@ -2872,7 +2872,7 @@
           <a:p>
             <a:fld id="{CD18CB5A-6947-405F-A94A-52FF85729738}" type="datetimeFigureOut">
               <a:rPr kumimoji="1" lang="ja-JP" altLang="en-US" smtClean="0"/>
-              <a:t>2016/12/12</a:t>
+              <a:t>2016/12/15</a:t>
             </a:fld>
             <a:endParaRPr kumimoji="1" lang="ja-JP" altLang="en-US"/>
           </a:p>
@@ -3125,7 +3125,7 @@
           <a:p>
             <a:fld id="{CD18CB5A-6947-405F-A94A-52FF85729738}" type="datetimeFigureOut">
               <a:rPr kumimoji="1" lang="ja-JP" altLang="en-US" smtClean="0"/>
-              <a:t>2016/12/12</a:t>
+              <a:t>2016/12/15</a:t>
             </a:fld>
             <a:endParaRPr kumimoji="1" lang="ja-JP" altLang="en-US"/>
           </a:p>
@@ -3370,7 +3370,7 @@
           <a:p>
             <a:fld id="{CD18CB5A-6947-405F-A94A-52FF85729738}" type="datetimeFigureOut">
               <a:rPr kumimoji="1" lang="ja-JP" altLang="en-US" smtClean="0"/>
-              <a:t>2016/12/12</a:t>
+              <a:t>2016/12/15</a:t>
             </a:fld>
             <a:endParaRPr kumimoji="1" lang="ja-JP" altLang="en-US"/>
           </a:p>
@@ -3784,63 +3784,14 @@
       </p:grpSpPr>
       <p:sp>
         <p:nvSpPr>
-          <p:cNvPr id="21" name="円/楕円 20"/>
-          <p:cNvSpPr/>
-          <p:nvPr/>
-        </p:nvSpPr>
-        <p:spPr>
-          <a:xfrm>
-            <a:off x="4397676" y="12187659"/>
-            <a:ext cx="12560420" cy="1581973"/>
-          </a:xfrm>
-          <a:prstGeom prst="ellipse">
-            <a:avLst/>
-          </a:prstGeom>
-          <a:solidFill>
-            <a:schemeClr val="accent1">
-              <a:lumMod val="40000"/>
-              <a:lumOff val="60000"/>
-            </a:schemeClr>
-          </a:solidFill>
-          <a:ln>
-            <a:noFill/>
-          </a:ln>
-        </p:spPr>
-        <p:style>
-          <a:lnRef idx="2">
-            <a:schemeClr val="accent1">
-              <a:shade val="50000"/>
-            </a:schemeClr>
-          </a:lnRef>
-          <a:fillRef idx="1">
-            <a:schemeClr val="accent1"/>
-          </a:fillRef>
-          <a:effectRef idx="0">
-            <a:schemeClr val="accent1"/>
-          </a:effectRef>
-          <a:fontRef idx="minor">
-            <a:schemeClr val="lt1"/>
-          </a:fontRef>
-        </p:style>
-        <p:txBody>
-          <a:bodyPr rtlCol="0" anchor="ctr"/>
-          <a:lstStyle/>
-          <a:p>
-            <a:pPr algn="ctr"/>
-            <a:endParaRPr kumimoji="1" lang="ja-JP" altLang="en-US"/>
-          </a:p>
-        </p:txBody>
-      </p:sp>
-      <p:sp>
-        <p:nvSpPr>
           <p:cNvPr id="42" name="正方形/長方形 41"/>
           <p:cNvSpPr/>
           <p:nvPr/>
         </p:nvSpPr>
         <p:spPr>
           <a:xfrm>
-            <a:off x="1422219" y="383267"/>
-            <a:ext cx="19590671" cy="1795280"/>
+            <a:off x="1981812" y="383267"/>
+            <a:ext cx="17196339" cy="1310302"/>
           </a:xfrm>
           <a:prstGeom prst="rect">
             <a:avLst/>
@@ -3875,7 +3826,7 @@
           <a:lstStyle/>
           <a:p>
             <a:pPr algn="ctr"/>
-            <a:endParaRPr kumimoji="1" lang="ja-JP" altLang="en-US"/>
+            <a:endParaRPr kumimoji="1" lang="ja-JP" altLang="en-US" sz="4800"/>
           </a:p>
         </p:txBody>
       </p:sp>
@@ -3887,17 +3838,14 @@
         </p:nvSpPr>
         <p:spPr>
           <a:xfrm>
-            <a:off x="369254" y="383267"/>
-            <a:ext cx="5355594" cy="1797741"/>
+            <a:off x="1567632" y="383268"/>
+            <a:ext cx="4718868" cy="1310302"/>
           </a:xfrm>
           <a:prstGeom prst="rect">
             <a:avLst/>
           </a:prstGeom>
           <a:solidFill>
-            <a:schemeClr val="accent1">
-              <a:lumMod val="40000"/>
-              <a:lumOff val="60000"/>
-            </a:schemeClr>
+            <a:srgbClr val="82D5FE"/>
           </a:solidFill>
           <a:ln>
             <a:noFill/>
@@ -3936,8 +3884,8 @@
         </p:nvSpPr>
         <p:spPr>
           <a:xfrm>
-            <a:off x="373908" y="905630"/>
-            <a:ext cx="20638983" cy="984885"/>
+            <a:off x="1981813" y="605105"/>
+            <a:ext cx="16782158" cy="830997"/>
           </a:xfrm>
           <a:prstGeom prst="rect">
             <a:avLst/>
@@ -3951,27 +3899,41 @@
           <a:lstStyle/>
           <a:p>
             <a:r>
-              <a:rPr lang="ja-JP" altLang="en-US" dirty="0" smtClean="0">
+              <a:rPr lang="ja-JP" altLang="en-US" sz="4800" dirty="0" smtClean="0">
                 <a:latin typeface="メイリオ" panose="020B0604030504040204" pitchFamily="50" charset="-128"/>
                 <a:ea typeface="メイリオ" panose="020B0604030504040204" pitchFamily="50" charset="-128"/>
               </a:rPr>
               <a:t>社会実装を目的とした</a:t>
             </a:r>
             <a:r>
-              <a:rPr lang="en-US" altLang="ja-JP" dirty="0" smtClean="0">
+              <a:rPr lang="en-US" altLang="ja-JP" sz="4800" dirty="0" smtClean="0">
                 <a:latin typeface="メイリオ" panose="020B0604030504040204" pitchFamily="50" charset="-128"/>
                 <a:ea typeface="メイリオ" panose="020B0604030504040204" pitchFamily="50" charset="-128"/>
               </a:rPr>
               <a:t>3</a:t>
             </a:r>
             <a:r>
-              <a:rPr lang="ja-JP" altLang="en-US" dirty="0" smtClean="0">
-                <a:latin typeface="メイリオ" panose="020B0604030504040204" pitchFamily="50" charset="-128"/>
-                <a:ea typeface="メイリオ" panose="020B0604030504040204" pitchFamily="50" charset="-128"/>
-              </a:rPr>
-              <a:t>学科合同プロジェクトのマネジメント</a:t>
-            </a:r>
-            <a:endParaRPr kumimoji="1" lang="ja-JP" altLang="en-US" dirty="0">
+              <a:rPr lang="ja-JP" altLang="en-US" sz="4800" dirty="0" smtClean="0">
+                <a:latin typeface="メイリオ" panose="020B0604030504040204" pitchFamily="50" charset="-128"/>
+                <a:ea typeface="メイリオ" panose="020B0604030504040204" pitchFamily="50" charset="-128"/>
+              </a:rPr>
+              <a:t>学科合同</a:t>
+            </a:r>
+            <a:r>
+              <a:rPr lang="ja-JP" altLang="en-US" sz="4800" dirty="0">
+                <a:latin typeface="メイリオ" panose="020B0604030504040204" pitchFamily="50" charset="-128"/>
+                <a:ea typeface="メイリオ" panose="020B0604030504040204" pitchFamily="50" charset="-128"/>
+              </a:rPr>
+              <a:t> </a:t>
+            </a:r>
+            <a:r>
+              <a:rPr lang="ja-JP" altLang="en-US" sz="4800" dirty="0" smtClean="0">
+                <a:latin typeface="メイリオ" panose="020B0604030504040204" pitchFamily="50" charset="-128"/>
+                <a:ea typeface="メイリオ" panose="020B0604030504040204" pitchFamily="50" charset="-128"/>
+              </a:rPr>
+              <a:t>介護機器開発プロジェクト</a:t>
+            </a:r>
+            <a:endParaRPr kumimoji="1" lang="ja-JP" altLang="en-US" sz="4800" dirty="0">
               <a:latin typeface="メイリオ" panose="020B0604030504040204" pitchFamily="50" charset="-128"/>
               <a:ea typeface="メイリオ" panose="020B0604030504040204" pitchFamily="50" charset="-128"/>
             </a:endParaRPr>
@@ -3986,8 +3948,8 @@
         </p:nvSpPr>
         <p:spPr>
           <a:xfrm>
-            <a:off x="12996276" y="2394571"/>
-            <a:ext cx="8016614" cy="1754326"/>
+            <a:off x="7119925" y="1960306"/>
+            <a:ext cx="12158180" cy="769441"/>
           </a:xfrm>
           <a:prstGeom prst="rect">
             <a:avLst/>
@@ -4001,51 +3963,38 @@
           <a:lstStyle/>
           <a:p>
             <a:r>
-              <a:rPr lang="en-US" altLang="ja-JP" sz="5400" dirty="0" smtClean="0">
+              <a:rPr lang="en-US" altLang="ja-JP" sz="4400" dirty="0" smtClean="0">
                 <a:latin typeface="メイリオ" panose="020B0604030504040204" pitchFamily="50" charset="-128"/>
                 <a:ea typeface="メイリオ" panose="020B0604030504040204" pitchFamily="50" charset="-128"/>
               </a:rPr>
               <a:t>PM</a:t>
             </a:r>
             <a:r>
-              <a:rPr lang="ja-JP" altLang="en-US" sz="5400" dirty="0" smtClean="0">
-                <a:latin typeface="メイリオ" panose="020B0604030504040204" pitchFamily="50" charset="-128"/>
-                <a:ea typeface="メイリオ" panose="020B0604030504040204" pitchFamily="50" charset="-128"/>
-              </a:rPr>
-              <a:t>コース　矢吹研究室</a:t>
-            </a:r>
-            <a:r>
-              <a:rPr lang="ja-JP" altLang="en-US" sz="5400" dirty="0">
-                <a:latin typeface="メイリオ" panose="020B0604030504040204" pitchFamily="50" charset="-128"/>
-                <a:ea typeface="メイリオ" panose="020B0604030504040204" pitchFamily="50" charset="-128"/>
-              </a:rPr>
-              <a:t>　</a:t>
-            </a:r>
-            <a:endParaRPr lang="en-US" altLang="ja-JP" sz="5400" dirty="0" smtClean="0">
+              <a:rPr lang="ja-JP" altLang="en-US" sz="4400" dirty="0" smtClean="0">
+                <a:latin typeface="メイリオ" panose="020B0604030504040204" pitchFamily="50" charset="-128"/>
+                <a:ea typeface="メイリオ" panose="020B0604030504040204" pitchFamily="50" charset="-128"/>
+              </a:rPr>
+              <a:t>コース　矢吹研究室　</a:t>
+            </a:r>
+            <a:r>
+              <a:rPr lang="en-US" altLang="ja-JP" sz="4400" dirty="0" smtClean="0">
+                <a:latin typeface="メイリオ" panose="020B0604030504040204" pitchFamily="50" charset="-128"/>
+                <a:ea typeface="メイリオ" panose="020B0604030504040204" pitchFamily="50" charset="-128"/>
+              </a:rPr>
+              <a:t>1442069</a:t>
+            </a:r>
+            <a:r>
+              <a:rPr lang="ja-JP" altLang="en-US" sz="4400" dirty="0" smtClean="0">
+                <a:latin typeface="メイリオ" panose="020B0604030504040204" pitchFamily="50" charset="-128"/>
+                <a:ea typeface="メイリオ" panose="020B0604030504040204" pitchFamily="50" charset="-128"/>
+              </a:rPr>
+              <a:t>　須山 武弘</a:t>
+            </a:r>
+            <a:endParaRPr kumimoji="1" lang="ja-JP" altLang="en-US" sz="4400" dirty="0">
               <a:latin typeface="メイリオ" panose="020B0604030504040204" pitchFamily="50" charset="-128"/>
               <a:ea typeface="メイリオ" panose="020B0604030504040204" pitchFamily="50" charset="-128"/>
             </a:endParaRPr>
           </a:p>
-          <a:p>
-            <a:r>
-              <a:rPr lang="en-US" altLang="ja-JP" sz="5400" dirty="0" smtClean="0">
-                <a:latin typeface="メイリオ" panose="020B0604030504040204" pitchFamily="50" charset="-128"/>
-                <a:ea typeface="メイリオ" panose="020B0604030504040204" pitchFamily="50" charset="-128"/>
-              </a:rPr>
-              <a:t>1442069</a:t>
-            </a:r>
-            <a:r>
-              <a:rPr lang="ja-JP" altLang="en-US" sz="5400" dirty="0" smtClean="0">
-                <a:latin typeface="メイリオ" panose="020B0604030504040204" pitchFamily="50" charset="-128"/>
-                <a:ea typeface="メイリオ" panose="020B0604030504040204" pitchFamily="50" charset="-128"/>
-              </a:rPr>
-              <a:t>　須山 武弘</a:t>
-            </a:r>
-            <a:endParaRPr kumimoji="1" lang="ja-JP" altLang="en-US" sz="5400" dirty="0">
-              <a:latin typeface="メイリオ" panose="020B0604030504040204" pitchFamily="50" charset="-128"/>
-              <a:ea typeface="メイリオ" panose="020B0604030504040204" pitchFamily="50" charset="-128"/>
-            </a:endParaRPr>
-          </a:p>
         </p:txBody>
       </p:sp>
       <p:sp>
@@ -4056,8 +4005,8 @@
         </p:nvSpPr>
         <p:spPr>
           <a:xfrm>
-            <a:off x="865203" y="3001289"/>
-            <a:ext cx="3111145" cy="1296144"/>
+            <a:off x="1185426" y="2322563"/>
+            <a:ext cx="3111145" cy="996180"/>
           </a:xfrm>
           <a:prstGeom prst="homePlate">
             <a:avLst/>
@@ -4088,12 +4037,12 @@
           </a:fontRef>
         </p:style>
         <p:txBody>
-          <a:bodyPr rtlCol="0" anchor="b"/>
+          <a:bodyPr rtlCol="0" anchor="ctr"/>
           <a:lstStyle/>
           <a:p>
             <a:pPr algn="ctr"/>
             <a:r>
-              <a:rPr kumimoji="1" lang="ja-JP" altLang="en-US" dirty="0" smtClean="0">
+              <a:rPr kumimoji="1" lang="ja-JP" altLang="en-US" sz="4400" dirty="0" smtClean="0">
                 <a:solidFill>
                   <a:sysClr val="windowText" lastClr="000000"/>
                 </a:solidFill>
@@ -4102,7 +4051,7 @@
               </a:rPr>
               <a:t>背 景</a:t>
             </a:r>
-            <a:endParaRPr kumimoji="1" lang="ja-JP" altLang="en-US" dirty="0">
+            <a:endParaRPr kumimoji="1" lang="ja-JP" altLang="en-US" sz="4400" dirty="0">
               <a:solidFill>
                 <a:sysClr val="windowText" lastClr="000000"/>
               </a:solidFill>
@@ -4114,14 +4063,664 @@
       </p:sp>
       <p:sp>
         <p:nvSpPr>
-          <p:cNvPr id="47" name="ホームベース 46"/>
+          <p:cNvPr id="55" name="テキスト ボックス 54"/>
+          <p:cNvSpPr txBox="1"/>
+          <p:nvPr/>
+        </p:nvSpPr>
+        <p:spPr>
+          <a:xfrm>
+            <a:off x="1387551" y="16868179"/>
+            <a:ext cx="17266265" cy="646331"/>
+          </a:xfrm>
+          <a:prstGeom prst="rect">
+            <a:avLst/>
+          </a:prstGeom>
+          <a:noFill/>
+        </p:spPr>
+        <p:txBody>
+          <a:bodyPr wrap="none" rtlCol="0">
+            <a:spAutoFit/>
+          </a:bodyPr>
+          <a:lstStyle/>
+          <a:p>
+            <a:r>
+              <a:rPr kumimoji="1" lang="ja-JP" altLang="en-US" sz="3600" dirty="0" smtClean="0">
+                <a:latin typeface="メイリオ" panose="020B0604030504040204" pitchFamily="50" charset="-128"/>
+                <a:ea typeface="メイリオ" panose="020B0604030504040204" pitchFamily="50" charset="-128"/>
+              </a:rPr>
+              <a:t>プロジェクトを</a:t>
+            </a:r>
+            <a:r>
+              <a:rPr lang="ja-JP" altLang="en-US" sz="3600" dirty="0">
+                <a:latin typeface="メイリオ" panose="020B0604030504040204" pitchFamily="50" charset="-128"/>
+                <a:ea typeface="メイリオ" panose="020B0604030504040204" pitchFamily="50" charset="-128"/>
+              </a:rPr>
+              <a:t>以下の</a:t>
+            </a:r>
+            <a:r>
+              <a:rPr lang="ja-JP" altLang="en-US" sz="3600" dirty="0" smtClean="0">
+                <a:latin typeface="メイリオ" panose="020B0604030504040204" pitchFamily="50" charset="-128"/>
+                <a:ea typeface="メイリオ" panose="020B0604030504040204" pitchFamily="50" charset="-128"/>
+              </a:rPr>
+              <a:t>表２の通りに</a:t>
+            </a:r>
+            <a:r>
+              <a:rPr kumimoji="1" lang="ja-JP" altLang="en-US" sz="3600" dirty="0" smtClean="0">
+                <a:latin typeface="メイリオ" panose="020B0604030504040204" pitchFamily="50" charset="-128"/>
+                <a:ea typeface="メイリオ" panose="020B0604030504040204" pitchFamily="50" charset="-128"/>
+              </a:rPr>
+              <a:t>遂行し，適切なマネジメント手法を実施する．</a:t>
+            </a:r>
+            <a:endParaRPr kumimoji="1" lang="ja-JP" altLang="en-US" sz="3600" dirty="0">
+              <a:latin typeface="メイリオ" panose="020B0604030504040204" pitchFamily="50" charset="-128"/>
+              <a:ea typeface="メイリオ" panose="020B0604030504040204" pitchFamily="50" charset="-128"/>
+            </a:endParaRPr>
+          </a:p>
+        </p:txBody>
+      </p:sp>
+      <p:sp>
+        <p:nvSpPr>
+          <p:cNvPr id="59" name="テキスト ボックス 58"/>
+          <p:cNvSpPr txBox="1"/>
+          <p:nvPr/>
+        </p:nvSpPr>
+        <p:spPr>
+          <a:xfrm>
+            <a:off x="1378164" y="28866220"/>
+            <a:ext cx="12495728" cy="1323439"/>
+          </a:xfrm>
+          <a:prstGeom prst="rect">
+            <a:avLst/>
+          </a:prstGeom>
+          <a:noFill/>
+        </p:spPr>
+        <p:txBody>
+          <a:bodyPr wrap="none" rtlCol="0">
+            <a:spAutoFit/>
+          </a:bodyPr>
+          <a:lstStyle/>
+          <a:p>
+            <a:r>
+              <a:rPr kumimoji="1" lang="ja-JP" altLang="en-US" sz="4000" dirty="0" smtClean="0">
+                <a:latin typeface="メイリオ" panose="020B0604030504040204" pitchFamily="50" charset="-128"/>
+                <a:ea typeface="メイリオ" panose="020B0604030504040204" pitchFamily="50" charset="-128"/>
+              </a:rPr>
+              <a:t>・製品の試作，検証を行う．</a:t>
+            </a:r>
+            <a:endParaRPr kumimoji="1" lang="en-US" altLang="ja-JP" sz="4000" dirty="0" smtClean="0">
+              <a:latin typeface="メイリオ" panose="020B0604030504040204" pitchFamily="50" charset="-128"/>
+              <a:ea typeface="メイリオ" panose="020B0604030504040204" pitchFamily="50" charset="-128"/>
+            </a:endParaRPr>
+          </a:p>
+          <a:p>
+            <a:r>
+              <a:rPr lang="ja-JP" altLang="en-US" sz="4000" dirty="0" smtClean="0">
+                <a:latin typeface="メイリオ" panose="020B0604030504040204" pitchFamily="50" charset="-128"/>
+                <a:ea typeface="メイリオ" panose="020B0604030504040204" pitchFamily="50" charset="-128"/>
+              </a:rPr>
+              <a:t>・プロジェクト終結フェーズへ向けて</a:t>
+            </a:r>
+            <a:r>
+              <a:rPr lang="ja-JP" altLang="en-US" sz="4000" smtClean="0">
+                <a:latin typeface="メイリオ" panose="020B0604030504040204" pitchFamily="50" charset="-128"/>
+                <a:ea typeface="メイリオ" panose="020B0604030504040204" pitchFamily="50" charset="-128"/>
+              </a:rPr>
+              <a:t>まとめを行う．</a:t>
+            </a:r>
+            <a:endParaRPr kumimoji="1" lang="ja-JP" altLang="en-US" sz="4000" dirty="0">
+              <a:latin typeface="メイリオ" panose="020B0604030504040204" pitchFamily="50" charset="-128"/>
+              <a:ea typeface="メイリオ" panose="020B0604030504040204" pitchFamily="50" charset="-128"/>
+            </a:endParaRPr>
+          </a:p>
+        </p:txBody>
+      </p:sp>
+      <p:sp>
+        <p:nvSpPr>
+          <p:cNvPr id="61" name="テキスト ボックス 60"/>
+          <p:cNvSpPr txBox="1"/>
+          <p:nvPr/>
+        </p:nvSpPr>
+        <p:spPr>
+          <a:xfrm>
+            <a:off x="12630131" y="15112747"/>
+            <a:ext cx="6647974" cy="1200329"/>
+          </a:xfrm>
+          <a:prstGeom prst="rect">
+            <a:avLst/>
+          </a:prstGeom>
+          <a:noFill/>
+        </p:spPr>
+        <p:txBody>
+          <a:bodyPr wrap="none" rtlCol="0">
+            <a:spAutoFit/>
+          </a:bodyPr>
+          <a:lstStyle/>
+          <a:p>
+            <a:r>
+              <a:rPr lang="ja-JP" altLang="en-US" sz="3600" dirty="0" smtClean="0">
+                <a:latin typeface="メイリオ" panose="020B0604030504040204" pitchFamily="50" charset="-128"/>
+                <a:ea typeface="メイリオ" panose="020B0604030504040204" pitchFamily="50" charset="-128"/>
+              </a:rPr>
+              <a:t>各学科の専門知識を活かした</a:t>
+            </a:r>
+            <a:endParaRPr lang="en-US" altLang="ja-JP" sz="3600" dirty="0" smtClean="0">
+              <a:latin typeface="メイリオ" panose="020B0604030504040204" pitchFamily="50" charset="-128"/>
+              <a:ea typeface="メイリオ" panose="020B0604030504040204" pitchFamily="50" charset="-128"/>
+            </a:endParaRPr>
+          </a:p>
+          <a:p>
+            <a:r>
+              <a:rPr lang="ja-JP" altLang="en-US" sz="3600" dirty="0" smtClean="0">
+                <a:latin typeface="メイリオ" panose="020B0604030504040204" pitchFamily="50" charset="-128"/>
+                <a:ea typeface="メイリオ" panose="020B0604030504040204" pitchFamily="50" charset="-128"/>
+              </a:rPr>
+              <a:t>マネジメント手法の実施が必要</a:t>
+            </a:r>
+            <a:endParaRPr kumimoji="1" lang="ja-JP" altLang="en-US" sz="3600" dirty="0">
+              <a:latin typeface="メイリオ" panose="020B0604030504040204" pitchFamily="50" charset="-128"/>
+              <a:ea typeface="メイリオ" panose="020B0604030504040204" pitchFamily="50" charset="-128"/>
+            </a:endParaRPr>
+          </a:p>
+        </p:txBody>
+      </p:sp>
+      <p:sp>
+        <p:nvSpPr>
+          <p:cNvPr id="62" name="テキスト ボックス 61"/>
+          <p:cNvSpPr txBox="1"/>
+          <p:nvPr/>
+        </p:nvSpPr>
+        <p:spPr>
+          <a:xfrm>
+            <a:off x="900312" y="13137368"/>
+            <a:ext cx="9886381" cy="646331"/>
+          </a:xfrm>
+          <a:prstGeom prst="rect">
+            <a:avLst/>
+          </a:prstGeom>
+          <a:noFill/>
+        </p:spPr>
+        <p:txBody>
+          <a:bodyPr wrap="square" rtlCol="0">
+            <a:spAutoFit/>
+          </a:bodyPr>
+          <a:lstStyle/>
+          <a:p>
+            <a:r>
+              <a:rPr kumimoji="1" lang="ja-JP" altLang="en-US" sz="3600" dirty="0" smtClean="0">
+                <a:latin typeface="メイリオ" panose="020B0604030504040204" pitchFamily="50" charset="-128"/>
+                <a:ea typeface="メイリオ" panose="020B0604030504040204" pitchFamily="50" charset="-128"/>
+              </a:rPr>
+              <a:t>介護職員の負担が大きい現状を打開するために</a:t>
+            </a:r>
+            <a:endParaRPr kumimoji="1" lang="ja-JP" altLang="en-US" sz="3600" dirty="0">
+              <a:latin typeface="メイリオ" panose="020B0604030504040204" pitchFamily="50" charset="-128"/>
+              <a:ea typeface="メイリオ" panose="020B0604030504040204" pitchFamily="50" charset="-128"/>
+            </a:endParaRPr>
+          </a:p>
+        </p:txBody>
+      </p:sp>
+      <p:grpSp>
+        <p:nvGrpSpPr>
+          <p:cNvPr id="3" name="グループ化 2"/>
+          <p:cNvGrpSpPr/>
+          <p:nvPr/>
+        </p:nvGrpSpPr>
+        <p:grpSpPr>
+          <a:xfrm>
+            <a:off x="1064943" y="13755203"/>
+            <a:ext cx="9139852" cy="1415500"/>
+            <a:chOff x="4397676" y="12207688"/>
+            <a:chExt cx="12560420" cy="1415500"/>
+          </a:xfrm>
+        </p:grpSpPr>
+        <p:sp>
+          <p:nvSpPr>
+            <p:cNvPr id="21" name="円/楕円 20"/>
+            <p:cNvSpPr/>
+            <p:nvPr/>
+          </p:nvSpPr>
+          <p:spPr>
+            <a:xfrm>
+              <a:off x="4397676" y="12207688"/>
+              <a:ext cx="12560420" cy="1415500"/>
+            </a:xfrm>
+            <a:prstGeom prst="ellipse">
+              <a:avLst/>
+            </a:prstGeom>
+            <a:solidFill>
+              <a:srgbClr val="82D5FE"/>
+            </a:solidFill>
+            <a:ln>
+              <a:noFill/>
+            </a:ln>
+          </p:spPr>
+          <p:style>
+            <a:lnRef idx="2">
+              <a:schemeClr val="accent1">
+                <a:shade val="50000"/>
+              </a:schemeClr>
+            </a:lnRef>
+            <a:fillRef idx="1">
+              <a:schemeClr val="accent1"/>
+            </a:fillRef>
+            <a:effectRef idx="0">
+              <a:schemeClr val="accent1"/>
+            </a:effectRef>
+            <a:fontRef idx="minor">
+              <a:schemeClr val="lt1"/>
+            </a:fontRef>
+          </p:style>
+          <p:txBody>
+            <a:bodyPr rtlCol="0" anchor="ctr"/>
+            <a:lstStyle/>
+            <a:p>
+              <a:pPr algn="ctr"/>
+              <a:endParaRPr kumimoji="1" lang="ja-JP" altLang="en-US"/>
+            </a:p>
+          </p:txBody>
+        </p:sp>
+        <p:sp>
+          <p:nvSpPr>
+            <p:cNvPr id="63" name="テキスト ボックス 62"/>
+            <p:cNvSpPr txBox="1"/>
+            <p:nvPr/>
+          </p:nvSpPr>
+          <p:spPr>
+            <a:xfrm>
+              <a:off x="5657683" y="12631852"/>
+              <a:ext cx="10040406" cy="646331"/>
+            </a:xfrm>
+            <a:prstGeom prst="rect">
+              <a:avLst/>
+            </a:prstGeom>
+            <a:noFill/>
+          </p:spPr>
+          <p:txBody>
+            <a:bodyPr wrap="square" rtlCol="0">
+              <a:spAutoFit/>
+            </a:bodyPr>
+            <a:lstStyle/>
+            <a:p>
+              <a:r>
+                <a:rPr kumimoji="1" lang="ja-JP" altLang="en-US" sz="3600" dirty="0" smtClean="0">
+                  <a:latin typeface="メイリオ" panose="020B0604030504040204" pitchFamily="50" charset="-128"/>
+                  <a:ea typeface="メイリオ" panose="020B0604030504040204" pitchFamily="50" charset="-128"/>
+                </a:rPr>
+                <a:t>技術で介護現場を支える製品開発</a:t>
+              </a:r>
+              <a:endParaRPr kumimoji="1" lang="ja-JP" altLang="en-US" sz="3600" dirty="0">
+                <a:latin typeface="メイリオ" panose="020B0604030504040204" pitchFamily="50" charset="-128"/>
+                <a:ea typeface="メイリオ" panose="020B0604030504040204" pitchFamily="50" charset="-128"/>
+              </a:endParaRPr>
+            </a:p>
+          </p:txBody>
+        </p:sp>
+      </p:grpSp>
+      <p:sp>
+        <p:nvSpPr>
+          <p:cNvPr id="22" name="テキスト ボックス 21"/>
+          <p:cNvSpPr txBox="1"/>
+          <p:nvPr/>
+        </p:nvSpPr>
+        <p:spPr>
+          <a:xfrm>
+            <a:off x="14023922" y="27501701"/>
+            <a:ext cx="7247497" cy="584775"/>
+          </a:xfrm>
+          <a:prstGeom prst="rect">
+            <a:avLst/>
+          </a:prstGeom>
+          <a:noFill/>
+        </p:spPr>
+        <p:txBody>
+          <a:bodyPr wrap="none" rtlCol="0">
+            <a:spAutoFit/>
+          </a:bodyPr>
+          <a:lstStyle/>
+          <a:p>
+            <a:r>
+              <a:rPr kumimoji="1" lang="ja-JP" altLang="en-US" sz="3200" dirty="0" smtClean="0">
+                <a:latin typeface="メイリオ" panose="020B0604030504040204" pitchFamily="50" charset="-128"/>
+                <a:ea typeface="メイリオ" panose="020B0604030504040204" pitchFamily="50" charset="-128"/>
+              </a:rPr>
+              <a:t>図</a:t>
+            </a:r>
+            <a:r>
+              <a:rPr kumimoji="1" lang="en-US" altLang="ja-JP" sz="3200" dirty="0" smtClean="0">
+                <a:latin typeface="メイリオ" panose="020B0604030504040204" pitchFamily="50" charset="-128"/>
+                <a:ea typeface="メイリオ" panose="020B0604030504040204" pitchFamily="50" charset="-128"/>
+              </a:rPr>
+              <a:t>1</a:t>
+            </a:r>
+            <a:r>
+              <a:rPr kumimoji="1" lang="ja-JP" altLang="en-US" sz="3200" dirty="0" smtClean="0">
+                <a:latin typeface="メイリオ" panose="020B0604030504040204" pitchFamily="50" charset="-128"/>
+                <a:ea typeface="メイリオ" panose="020B0604030504040204" pitchFamily="50" charset="-128"/>
+              </a:rPr>
+              <a:t> トイレ介助機器「</a:t>
+            </a:r>
+            <a:r>
+              <a:rPr kumimoji="1" lang="en-US" altLang="ja-JP" sz="3200" dirty="0" smtClean="0">
+                <a:latin typeface="メイリオ" panose="020B0604030504040204" pitchFamily="50" charset="-128"/>
+                <a:ea typeface="メイリオ" panose="020B0604030504040204" pitchFamily="50" charset="-128"/>
+              </a:rPr>
+              <a:t>CHOIC</a:t>
+            </a:r>
+            <a:r>
+              <a:rPr kumimoji="1" lang="ja-JP" altLang="en-US" sz="3200" dirty="0" smtClean="0">
+                <a:latin typeface="メイリオ" panose="020B0604030504040204" pitchFamily="50" charset="-128"/>
+                <a:ea typeface="メイリオ" panose="020B0604030504040204" pitchFamily="50" charset="-128"/>
+              </a:rPr>
+              <a:t>」の提案</a:t>
+            </a:r>
+            <a:endParaRPr kumimoji="1" lang="ja-JP" altLang="en-US" sz="3200" dirty="0">
+              <a:latin typeface="メイリオ" panose="020B0604030504040204" pitchFamily="50" charset="-128"/>
+              <a:ea typeface="メイリオ" panose="020B0604030504040204" pitchFamily="50" charset="-128"/>
+            </a:endParaRPr>
+          </a:p>
+        </p:txBody>
+      </p:sp>
+      <p:pic>
+        <p:nvPicPr>
+          <p:cNvPr id="24" name="図 23"/>
+          <p:cNvPicPr>
+            <a:picLocks noChangeAspect="1"/>
+          </p:cNvPicPr>
+          <p:nvPr/>
+        </p:nvPicPr>
+        <p:blipFill>
+          <a:blip r:embed="rId3" cstate="print">
+            <a:extLst>
+              <a:ext uri="{28A0092B-C50C-407E-A947-70E740481C1C}">
+                <a14:useLocalDpi xmlns:a14="http://schemas.microsoft.com/office/drawing/2010/main" val="0"/>
+              </a:ext>
+            </a:extLst>
+          </a:blip>
+          <a:stretch>
+            <a:fillRect/>
+          </a:stretch>
+        </p:blipFill>
+        <p:spPr>
+          <a:xfrm>
+            <a:off x="14911276" y="22979013"/>
+            <a:ext cx="6360143" cy="4359916"/>
+          </a:xfrm>
+          <a:prstGeom prst="rect">
+            <a:avLst/>
+          </a:prstGeom>
+        </p:spPr>
+      </p:pic>
+      <p:sp>
+        <p:nvSpPr>
+          <p:cNvPr id="66" name="テキスト ボックス 65"/>
+          <p:cNvSpPr txBox="1"/>
+          <p:nvPr/>
+        </p:nvSpPr>
+        <p:spPr>
+          <a:xfrm>
+            <a:off x="1387551" y="23457938"/>
+            <a:ext cx="13183417" cy="2554545"/>
+          </a:xfrm>
+          <a:prstGeom prst="rect">
+            <a:avLst/>
+          </a:prstGeom>
+          <a:noFill/>
+        </p:spPr>
+        <p:txBody>
+          <a:bodyPr wrap="none" rtlCol="0">
+            <a:spAutoFit/>
+          </a:bodyPr>
+          <a:lstStyle/>
+          <a:p>
+            <a:r>
+              <a:rPr lang="ja-JP" altLang="en-US" sz="4000" dirty="0" smtClean="0">
+                <a:latin typeface="メイリオ" panose="020B0604030504040204" pitchFamily="50" charset="-128"/>
+                <a:ea typeface="メイリオ" panose="020B0604030504040204" pitchFamily="50" charset="-128"/>
+              </a:rPr>
+              <a:t>多数の介護施設へのヒヤリングを行ない，</a:t>
+            </a:r>
+            <a:endParaRPr lang="en-US" altLang="ja-JP" sz="4000" dirty="0" smtClean="0">
+              <a:latin typeface="メイリオ" panose="020B0604030504040204" pitchFamily="50" charset="-128"/>
+              <a:ea typeface="メイリオ" panose="020B0604030504040204" pitchFamily="50" charset="-128"/>
+            </a:endParaRPr>
+          </a:p>
+          <a:p>
+            <a:r>
+              <a:rPr lang="ja-JP" altLang="en-US" sz="4000" dirty="0" smtClean="0">
+                <a:latin typeface="メイリオ" panose="020B0604030504040204" pitchFamily="50" charset="-128"/>
+                <a:ea typeface="メイリオ" panose="020B0604030504040204" pitchFamily="50" charset="-128"/>
+              </a:rPr>
+              <a:t>ブレストや</a:t>
+            </a:r>
+            <a:r>
+              <a:rPr lang="en-US" altLang="ja-JP" sz="4000" dirty="0" smtClean="0">
+                <a:latin typeface="メイリオ" panose="020B0604030504040204" pitchFamily="50" charset="-128"/>
+                <a:ea typeface="メイリオ" panose="020B0604030504040204" pitchFamily="50" charset="-128"/>
+              </a:rPr>
+              <a:t>KJ</a:t>
+            </a:r>
+            <a:r>
+              <a:rPr lang="ja-JP" altLang="en-US" sz="4000" dirty="0" smtClean="0">
+                <a:latin typeface="メイリオ" panose="020B0604030504040204" pitchFamily="50" charset="-128"/>
+                <a:ea typeface="メイリオ" panose="020B0604030504040204" pitchFamily="50" charset="-128"/>
+              </a:rPr>
+              <a:t>法を</a:t>
+            </a:r>
+            <a:r>
+              <a:rPr lang="ja-JP" altLang="en-US" sz="4000" dirty="0">
+                <a:latin typeface="メイリオ" panose="020B0604030504040204" pitchFamily="50" charset="-128"/>
+                <a:ea typeface="メイリオ" panose="020B0604030504040204" pitchFamily="50" charset="-128"/>
+              </a:rPr>
+              <a:t>実施</a:t>
+            </a:r>
+            <a:r>
+              <a:rPr lang="ja-JP" altLang="en-US" sz="4000" dirty="0" smtClean="0">
+                <a:latin typeface="メイリオ" panose="020B0604030504040204" pitchFamily="50" charset="-128"/>
+                <a:ea typeface="メイリオ" panose="020B0604030504040204" pitchFamily="50" charset="-128"/>
+              </a:rPr>
+              <a:t>した．</a:t>
+            </a:r>
+            <a:endParaRPr lang="en-US" altLang="ja-JP" sz="4000" dirty="0" smtClean="0">
+              <a:latin typeface="メイリオ" panose="020B0604030504040204" pitchFamily="50" charset="-128"/>
+              <a:ea typeface="メイリオ" panose="020B0604030504040204" pitchFamily="50" charset="-128"/>
+            </a:endParaRPr>
+          </a:p>
+          <a:p>
+            <a:r>
+              <a:rPr lang="ja-JP" altLang="en-US" sz="4000" dirty="0">
+                <a:latin typeface="メイリオ" panose="020B0604030504040204" pitchFamily="50" charset="-128"/>
+                <a:ea typeface="メイリオ" panose="020B0604030504040204" pitchFamily="50" charset="-128"/>
+              </a:rPr>
+              <a:t>　</a:t>
+            </a:r>
+            <a:r>
+              <a:rPr lang="ja-JP" altLang="en-US" sz="4000" dirty="0" smtClean="0">
+                <a:latin typeface="メイリオ" panose="020B0604030504040204" pitchFamily="50" charset="-128"/>
+                <a:ea typeface="メイリオ" panose="020B0604030504040204" pitchFamily="50" charset="-128"/>
+              </a:rPr>
+              <a:t>→ 結果，</a:t>
+            </a:r>
+            <a:r>
+              <a:rPr lang="ja-JP" altLang="en-US" sz="4000" u="sng" dirty="0" smtClean="0">
+                <a:latin typeface="メイリオ" panose="020B0604030504040204" pitchFamily="50" charset="-128"/>
+                <a:ea typeface="メイリオ" panose="020B0604030504040204" pitchFamily="50" charset="-128"/>
+              </a:rPr>
+              <a:t>トイレ介助が大きな負担</a:t>
+            </a:r>
+            <a:r>
+              <a:rPr lang="ja-JP" altLang="en-US" sz="4000" dirty="0" smtClean="0">
+                <a:latin typeface="メイリオ" panose="020B0604030504040204" pitchFamily="50" charset="-128"/>
+                <a:ea typeface="メイリオ" panose="020B0604030504040204" pitchFamily="50" charset="-128"/>
+              </a:rPr>
+              <a:t>であることが判明．</a:t>
+            </a:r>
+            <a:endParaRPr lang="en-US" altLang="ja-JP" sz="4000" dirty="0" smtClean="0">
+              <a:latin typeface="メイリオ" panose="020B0604030504040204" pitchFamily="50" charset="-128"/>
+              <a:ea typeface="メイリオ" panose="020B0604030504040204" pitchFamily="50" charset="-128"/>
+            </a:endParaRPr>
+          </a:p>
+          <a:p>
+            <a:r>
+              <a:rPr lang="ja-JP" altLang="en-US" sz="4000" dirty="0">
+                <a:latin typeface="メイリオ" panose="020B0604030504040204" pitchFamily="50" charset="-128"/>
+                <a:ea typeface="メイリオ" panose="020B0604030504040204" pitchFamily="50" charset="-128"/>
+              </a:rPr>
+              <a:t>　</a:t>
+            </a:r>
+            <a:r>
+              <a:rPr lang="ja-JP" altLang="en-US" sz="4000" dirty="0" smtClean="0">
+                <a:latin typeface="メイリオ" panose="020B0604030504040204" pitchFamily="50" charset="-128"/>
+                <a:ea typeface="メイリオ" panose="020B0604030504040204" pitchFamily="50" charset="-128"/>
+              </a:rPr>
+              <a:t>　 図１の「</a:t>
+            </a:r>
+            <a:r>
+              <a:rPr lang="en-US" altLang="ja-JP" sz="4000" dirty="0" smtClean="0">
+                <a:latin typeface="メイリオ" panose="020B0604030504040204" pitchFamily="50" charset="-128"/>
+                <a:ea typeface="メイリオ" panose="020B0604030504040204" pitchFamily="50" charset="-128"/>
+              </a:rPr>
+              <a:t>CHOICE</a:t>
+            </a:r>
+            <a:r>
+              <a:rPr lang="ja-JP" altLang="en-US" sz="4000" dirty="0" smtClean="0">
+                <a:latin typeface="メイリオ" panose="020B0604030504040204" pitchFamily="50" charset="-128"/>
+                <a:ea typeface="メイリオ" panose="020B0604030504040204" pitchFamily="50" charset="-128"/>
+              </a:rPr>
+              <a:t>」を提案した．</a:t>
+            </a:r>
+            <a:endParaRPr lang="en-US" altLang="ja-JP" sz="4000" dirty="0" smtClean="0">
+              <a:latin typeface="メイリオ" panose="020B0604030504040204" pitchFamily="50" charset="-128"/>
+              <a:ea typeface="メイリオ" panose="020B0604030504040204" pitchFamily="50" charset="-128"/>
+            </a:endParaRPr>
+          </a:p>
+        </p:txBody>
+      </p:sp>
+      <p:sp>
+        <p:nvSpPr>
+          <p:cNvPr id="30" name="テキスト ボックス 29"/>
+          <p:cNvSpPr txBox="1"/>
+          <p:nvPr/>
+        </p:nvSpPr>
+        <p:spPr>
+          <a:xfrm>
+            <a:off x="1261652" y="9119871"/>
+            <a:ext cx="9417963" cy="1323439"/>
+          </a:xfrm>
+          <a:prstGeom prst="rect">
+            <a:avLst/>
+          </a:prstGeom>
+          <a:noFill/>
+        </p:spPr>
+        <p:txBody>
+          <a:bodyPr wrap="none" rtlCol="0">
+            <a:spAutoFit/>
+          </a:bodyPr>
+          <a:lstStyle/>
+          <a:p>
+            <a:r>
+              <a:rPr kumimoji="1" lang="ja-JP" altLang="en-US" sz="3600" dirty="0" smtClean="0">
+                <a:latin typeface="メイリオ" panose="020B0604030504040204" pitchFamily="50" charset="-128"/>
+                <a:ea typeface="メイリオ" panose="020B0604030504040204" pitchFamily="50" charset="-128"/>
+              </a:rPr>
+              <a:t>介護需要の増加数 </a:t>
+            </a:r>
+            <a:r>
+              <a:rPr kumimoji="1" lang="ja-JP" altLang="en-US" sz="4400" b="1" dirty="0" smtClean="0">
+                <a:solidFill>
+                  <a:srgbClr val="FF0000"/>
+                </a:solidFill>
+                <a:latin typeface="メイリオ" panose="020B0604030504040204" pitchFamily="50" charset="-128"/>
+                <a:ea typeface="メイリオ" panose="020B0604030504040204" pitchFamily="50" charset="-128"/>
+              </a:rPr>
+              <a:t>＞</a:t>
+            </a:r>
+            <a:r>
+              <a:rPr kumimoji="1" lang="ja-JP" altLang="en-US" sz="3600" dirty="0" smtClean="0">
+                <a:latin typeface="メイリオ" panose="020B0604030504040204" pitchFamily="50" charset="-128"/>
+                <a:ea typeface="メイリオ" panose="020B0604030504040204" pitchFamily="50" charset="-128"/>
+              </a:rPr>
+              <a:t>介護職員の増加数</a:t>
+            </a:r>
+            <a:endParaRPr kumimoji="1" lang="en-US" altLang="ja-JP" sz="3600" dirty="0" smtClean="0">
+              <a:latin typeface="メイリオ" panose="020B0604030504040204" pitchFamily="50" charset="-128"/>
+              <a:ea typeface="メイリオ" panose="020B0604030504040204" pitchFamily="50" charset="-128"/>
+            </a:endParaRPr>
+          </a:p>
+          <a:p>
+            <a:r>
+              <a:rPr lang="ja-JP" altLang="en-US" sz="3600" dirty="0" smtClean="0">
+                <a:latin typeface="メイリオ" panose="020B0604030504040204" pitchFamily="50" charset="-128"/>
+                <a:ea typeface="メイリオ" panose="020B0604030504040204" pitchFamily="50" charset="-128"/>
+              </a:rPr>
+              <a:t>厳しい労働環境は人材不足等が原因である．</a:t>
+            </a:r>
+            <a:endParaRPr kumimoji="1" lang="ja-JP" altLang="en-US" sz="3600" dirty="0">
+              <a:latin typeface="メイリオ" panose="020B0604030504040204" pitchFamily="50" charset="-128"/>
+              <a:ea typeface="メイリオ" panose="020B0604030504040204" pitchFamily="50" charset="-128"/>
+            </a:endParaRPr>
+          </a:p>
+        </p:txBody>
+      </p:sp>
+      <p:sp>
+        <p:nvSpPr>
+          <p:cNvPr id="33" name="テキスト ボックス 32"/>
+          <p:cNvSpPr txBox="1"/>
+          <p:nvPr/>
+        </p:nvSpPr>
+        <p:spPr>
+          <a:xfrm>
+            <a:off x="6520252" y="8534791"/>
+            <a:ext cx="3852640" cy="400110"/>
+          </a:xfrm>
+          <a:prstGeom prst="rect">
+            <a:avLst/>
+          </a:prstGeom>
+          <a:noFill/>
+        </p:spPr>
+        <p:txBody>
+          <a:bodyPr wrap="square" rtlCol="0">
+            <a:spAutoFit/>
+          </a:bodyPr>
+          <a:lstStyle/>
+          <a:p>
+            <a:r>
+              <a:rPr kumimoji="1" lang="ja-JP" altLang="en-US" sz="2000" dirty="0" smtClean="0">
+                <a:latin typeface="メイリオ" panose="020B0604030504040204" pitchFamily="50" charset="-128"/>
+                <a:ea typeface="メイリオ" panose="020B0604030504040204" pitchFamily="50" charset="-128"/>
+              </a:rPr>
+              <a:t>厚生労働省</a:t>
+            </a:r>
+            <a:r>
+              <a:rPr kumimoji="1" lang="en-US" altLang="ja-JP" sz="2000" dirty="0" smtClean="0">
+                <a:latin typeface="メイリオ" panose="020B0604030504040204" pitchFamily="50" charset="-128"/>
+                <a:ea typeface="メイリオ" panose="020B0604030504040204" pitchFamily="50" charset="-128"/>
+              </a:rPr>
+              <a:t>HP</a:t>
+            </a:r>
+            <a:r>
+              <a:rPr kumimoji="1" lang="ja-JP" altLang="en-US" sz="2000" dirty="0" smtClean="0">
+                <a:latin typeface="メイリオ" panose="020B0604030504040204" pitchFamily="50" charset="-128"/>
+                <a:ea typeface="メイリオ" panose="020B0604030504040204" pitchFamily="50" charset="-128"/>
+              </a:rPr>
+              <a:t>よりデータ抜粋</a:t>
+            </a:r>
+            <a:endParaRPr kumimoji="1" lang="ja-JP" altLang="en-US" sz="2000" dirty="0">
+              <a:latin typeface="メイリオ" panose="020B0604030504040204" pitchFamily="50" charset="-128"/>
+              <a:ea typeface="メイリオ" panose="020B0604030504040204" pitchFamily="50" charset="-128"/>
+            </a:endParaRPr>
+          </a:p>
+        </p:txBody>
+      </p:sp>
+      <p:sp>
+        <p:nvSpPr>
+          <p:cNvPr id="26" name="ホームベース 25"/>
           <p:cNvSpPr/>
           <p:nvPr/>
         </p:nvSpPr>
         <p:spPr>
           <a:xfrm>
-            <a:off x="865201" y="9760984"/>
-            <a:ext cx="3111145" cy="1296144"/>
+            <a:off x="828302" y="11850545"/>
+            <a:ext cx="3111145" cy="996180"/>
           </a:xfrm>
           <a:prstGeom prst="homePlate">
             <a:avLst/>
@@ -4152,12 +4751,12 @@
           </a:fontRef>
         </p:style>
         <p:txBody>
-          <a:bodyPr rtlCol="0" anchor="b"/>
+          <a:bodyPr rtlCol="0" anchor="ctr"/>
           <a:lstStyle/>
           <a:p>
             <a:pPr algn="ctr"/>
             <a:r>
-              <a:rPr kumimoji="1" lang="ja-JP" altLang="en-US" dirty="0" smtClean="0">
+              <a:rPr kumimoji="1" lang="ja-JP" altLang="en-US" sz="4400" dirty="0" smtClean="0">
                 <a:solidFill>
                   <a:sysClr val="windowText" lastClr="000000"/>
                 </a:solidFill>
@@ -4166,7 +4765,7 @@
               </a:rPr>
               <a:t>目 的</a:t>
             </a:r>
-            <a:endParaRPr kumimoji="1" lang="ja-JP" altLang="en-US" dirty="0">
+            <a:endParaRPr kumimoji="1" lang="ja-JP" altLang="en-US" sz="4400" dirty="0">
               <a:solidFill>
                 <a:sysClr val="windowText" lastClr="000000"/>
               </a:solidFill>
@@ -4178,14 +4777,14 @@
       </p:sp>
       <p:sp>
         <p:nvSpPr>
-          <p:cNvPr id="49" name="ホームベース 48"/>
+          <p:cNvPr id="28" name="ホームベース 27"/>
           <p:cNvSpPr/>
           <p:nvPr/>
         </p:nvSpPr>
         <p:spPr>
           <a:xfrm>
-            <a:off x="824222" y="13843843"/>
-            <a:ext cx="5476690" cy="1296144"/>
+            <a:off x="828301" y="15780188"/>
+            <a:ext cx="3111145" cy="996180"/>
           </a:xfrm>
           <a:prstGeom prst="homePlate">
             <a:avLst/>
@@ -4216,31 +4815,21 @@
           </a:fontRef>
         </p:style>
         <p:txBody>
-          <a:bodyPr rtlCol="0" anchor="b"/>
+          <a:bodyPr rtlCol="0" anchor="ctr"/>
           <a:lstStyle/>
           <a:p>
             <a:pPr algn="ctr"/>
             <a:r>
-              <a:rPr kumimoji="1" lang="en-US" altLang="ja-JP" dirty="0" smtClean="0">
+              <a:rPr lang="ja-JP" altLang="en-US" sz="4800" dirty="0" smtClean="0">
                 <a:solidFill>
                   <a:sysClr val="windowText" lastClr="000000"/>
                 </a:solidFill>
                 <a:latin typeface="メイリオ" panose="020B0604030504040204" pitchFamily="50" charset="-128"/>
                 <a:ea typeface="メイリオ" panose="020B0604030504040204" pitchFamily="50" charset="-128"/>
               </a:rPr>
-              <a:t>PM</a:t>
-            </a:r>
-            <a:r>
-              <a:rPr kumimoji="1" lang="ja-JP" altLang="en-US" dirty="0" smtClean="0">
-                <a:solidFill>
-                  <a:sysClr val="windowText" lastClr="000000"/>
-                </a:solidFill>
-                <a:latin typeface="メイリオ" panose="020B0604030504040204" pitchFamily="50" charset="-128"/>
-                <a:ea typeface="メイリオ" panose="020B0604030504040204" pitchFamily="50" charset="-128"/>
-              </a:rPr>
-              <a:t>との関連</a:t>
-            </a:r>
-            <a:endParaRPr kumimoji="1" lang="ja-JP" altLang="en-US" dirty="0">
+              <a:t>方 法</a:t>
+            </a:r>
+            <a:endParaRPr kumimoji="1" lang="ja-JP" altLang="en-US" sz="4800" dirty="0">
               <a:solidFill>
                 <a:sysClr val="windowText" lastClr="000000"/>
               </a:solidFill>
@@ -4252,14 +4841,14 @@
       </p:sp>
       <p:sp>
         <p:nvSpPr>
-          <p:cNvPr id="54" name="ホームベース 53"/>
+          <p:cNvPr id="34" name="ホームベース 33"/>
           <p:cNvSpPr/>
           <p:nvPr/>
         </p:nvSpPr>
         <p:spPr>
           <a:xfrm>
-            <a:off x="824222" y="16508139"/>
-            <a:ext cx="3111145" cy="1296144"/>
+            <a:off x="828301" y="22208703"/>
+            <a:ext cx="3111145" cy="996180"/>
           </a:xfrm>
           <a:prstGeom prst="homePlate">
             <a:avLst/>
@@ -4290,21 +4879,21 @@
           </a:fontRef>
         </p:style>
         <p:txBody>
-          <a:bodyPr rtlCol="0" anchor="b"/>
+          <a:bodyPr rtlCol="0" anchor="ctr"/>
           <a:lstStyle/>
           <a:p>
             <a:pPr algn="ctr"/>
             <a:r>
-              <a:rPr kumimoji="1" lang="ja-JP" altLang="en-US" dirty="0" smtClean="0">
+              <a:rPr lang="ja-JP" altLang="en-US" sz="4800" dirty="0" smtClean="0">
                 <a:solidFill>
                   <a:sysClr val="windowText" lastClr="000000"/>
                 </a:solidFill>
                 <a:latin typeface="メイリオ" panose="020B0604030504040204" pitchFamily="50" charset="-128"/>
                 <a:ea typeface="メイリオ" panose="020B0604030504040204" pitchFamily="50" charset="-128"/>
               </a:rPr>
-              <a:t>方 法</a:t>
-            </a:r>
-            <a:endParaRPr kumimoji="1" lang="ja-JP" altLang="en-US" dirty="0">
+              <a:t>進 捗</a:t>
+            </a:r>
+            <a:endParaRPr kumimoji="1" lang="ja-JP" altLang="en-US" sz="4800" dirty="0">
               <a:solidFill>
                 <a:sysClr val="windowText" lastClr="000000"/>
               </a:solidFill>
@@ -4316,164 +4905,14 @@
       </p:sp>
       <p:sp>
         <p:nvSpPr>
-          <p:cNvPr id="55" name="テキスト ボックス 54"/>
-          <p:cNvSpPr txBox="1"/>
+          <p:cNvPr id="35" name="ホームベース 34"/>
+          <p:cNvSpPr/>
           <p:nvPr/>
         </p:nvSpPr>
         <p:spPr>
           <a:xfrm>
-            <a:off x="1499113" y="18119016"/>
-            <a:ext cx="18861254" cy="4524315"/>
-          </a:xfrm>
-          <a:prstGeom prst="rect">
-            <a:avLst/>
-          </a:prstGeom>
-          <a:noFill/>
-        </p:spPr>
-        <p:txBody>
-          <a:bodyPr wrap="none" rtlCol="0">
-            <a:spAutoFit/>
-          </a:bodyPr>
-          <a:lstStyle/>
-          <a:p>
-            <a:r>
-              <a:rPr kumimoji="1" lang="ja-JP" altLang="en-US" sz="4800" dirty="0" smtClean="0">
-                <a:latin typeface="メイリオ" panose="020B0604030504040204" pitchFamily="50" charset="-128"/>
-                <a:ea typeface="メイリオ" panose="020B0604030504040204" pitchFamily="50" charset="-128"/>
-              </a:rPr>
-              <a:t>プロジェクトを以下のように遂行した．</a:t>
-            </a:r>
-            <a:endParaRPr kumimoji="1" lang="en-US" altLang="ja-JP" sz="4800" dirty="0" smtClean="0">
-              <a:latin typeface="メイリオ" panose="020B0604030504040204" pitchFamily="50" charset="-128"/>
-              <a:ea typeface="メイリオ" panose="020B0604030504040204" pitchFamily="50" charset="-128"/>
-            </a:endParaRPr>
-          </a:p>
-          <a:p>
-            <a:r>
-              <a:rPr kumimoji="1" lang="ja-JP" altLang="en-US" sz="4800" dirty="0" smtClean="0">
-                <a:latin typeface="メイリオ" panose="020B0604030504040204" pitchFamily="50" charset="-128"/>
-                <a:ea typeface="メイリオ" panose="020B0604030504040204" pitchFamily="50" charset="-128"/>
-              </a:rPr>
-              <a:t>　７月～９月・・・ チーム編成，現地調査</a:t>
-            </a:r>
-            <a:endParaRPr kumimoji="1" lang="en-US" altLang="ja-JP" sz="4800" dirty="0" smtClean="0">
-              <a:latin typeface="メイリオ" panose="020B0604030504040204" pitchFamily="50" charset="-128"/>
-              <a:ea typeface="メイリオ" panose="020B0604030504040204" pitchFamily="50" charset="-128"/>
-            </a:endParaRPr>
-          </a:p>
-          <a:p>
-            <a:r>
-              <a:rPr lang="ja-JP" altLang="en-US" sz="4800" dirty="0" smtClean="0">
-                <a:latin typeface="メイリオ" panose="020B0604030504040204" pitchFamily="50" charset="-128"/>
-                <a:ea typeface="メイリオ" panose="020B0604030504040204" pitchFamily="50" charset="-128"/>
-              </a:rPr>
-              <a:t>　９月～１０月・・ </a:t>
-            </a:r>
-            <a:r>
-              <a:rPr lang="en-US" altLang="ja-JP" sz="4800" dirty="0" smtClean="0">
-                <a:latin typeface="メイリオ" panose="020B0604030504040204" pitchFamily="50" charset="-128"/>
-                <a:ea typeface="メイリオ" panose="020B0604030504040204" pitchFamily="50" charset="-128"/>
-              </a:rPr>
-              <a:t>CVG</a:t>
-            </a:r>
-            <a:r>
-              <a:rPr lang="ja-JP" altLang="en-US" sz="4800" dirty="0">
-                <a:latin typeface="メイリオ" panose="020B0604030504040204" pitchFamily="50" charset="-128"/>
-                <a:ea typeface="メイリオ" panose="020B0604030504040204" pitchFamily="50" charset="-128"/>
-              </a:rPr>
-              <a:t>応募</a:t>
-            </a:r>
-            <a:r>
-              <a:rPr lang="ja-JP" altLang="en-US" sz="4800" dirty="0" smtClean="0">
-                <a:latin typeface="メイリオ" panose="020B0604030504040204" pitchFamily="50" charset="-128"/>
-                <a:ea typeface="メイリオ" panose="020B0604030504040204" pitchFamily="50" charset="-128"/>
-              </a:rPr>
-              <a:t>書類の作成．ビジネスプランの作成</a:t>
-            </a:r>
-            <a:endParaRPr lang="en-US" altLang="ja-JP" sz="4800" dirty="0" smtClean="0">
-              <a:latin typeface="メイリオ" panose="020B0604030504040204" pitchFamily="50" charset="-128"/>
-              <a:ea typeface="メイリオ" panose="020B0604030504040204" pitchFamily="50" charset="-128"/>
-            </a:endParaRPr>
-          </a:p>
-          <a:p>
-            <a:r>
-              <a:rPr kumimoji="1" lang="ja-JP" altLang="en-US" sz="4800" dirty="0" smtClean="0">
-                <a:latin typeface="メイリオ" panose="020B0604030504040204" pitchFamily="50" charset="-128"/>
-                <a:ea typeface="メイリオ" panose="020B0604030504040204" pitchFamily="50" charset="-128"/>
-              </a:rPr>
-              <a:t>　１１月・・・・・ </a:t>
-            </a:r>
-            <a:r>
-              <a:rPr kumimoji="1" lang="en-US" altLang="ja-JP" sz="4800" dirty="0" smtClean="0">
-                <a:latin typeface="メイリオ" panose="020B0604030504040204" pitchFamily="50" charset="-128"/>
-                <a:ea typeface="メイリオ" panose="020B0604030504040204" pitchFamily="50" charset="-128"/>
-              </a:rPr>
-              <a:t>CVG</a:t>
-            </a:r>
-            <a:r>
-              <a:rPr lang="ja-JP" altLang="en-US" sz="4800" dirty="0">
-                <a:latin typeface="メイリオ" panose="020B0604030504040204" pitchFamily="50" charset="-128"/>
-                <a:ea typeface="メイリオ" panose="020B0604030504040204" pitchFamily="50" charset="-128"/>
-              </a:rPr>
-              <a:t>東京</a:t>
-            </a:r>
-            <a:r>
-              <a:rPr lang="ja-JP" altLang="en-US" sz="4800" dirty="0" smtClean="0">
-                <a:latin typeface="メイリオ" panose="020B0604030504040204" pitchFamily="50" charset="-128"/>
-                <a:ea typeface="メイリオ" panose="020B0604030504040204" pitchFamily="50" charset="-128"/>
-              </a:rPr>
-              <a:t>予選の</a:t>
-            </a:r>
-            <a:r>
-              <a:rPr kumimoji="1" lang="ja-JP" altLang="en-US" sz="4800" dirty="0" smtClean="0">
-                <a:latin typeface="メイリオ" panose="020B0604030504040204" pitchFamily="50" charset="-128"/>
-                <a:ea typeface="メイリオ" panose="020B0604030504040204" pitchFamily="50" charset="-128"/>
-              </a:rPr>
-              <a:t>プレゼン</a:t>
-            </a:r>
-            <a:endParaRPr kumimoji="1" lang="en-US" altLang="ja-JP" sz="4800" dirty="0" smtClean="0">
-              <a:latin typeface="メイリオ" panose="020B0604030504040204" pitchFamily="50" charset="-128"/>
-              <a:ea typeface="メイリオ" panose="020B0604030504040204" pitchFamily="50" charset="-128"/>
-            </a:endParaRPr>
-          </a:p>
-          <a:p>
-            <a:r>
-              <a:rPr lang="ja-JP" altLang="en-US" sz="4800" dirty="0" smtClean="0">
-                <a:latin typeface="メイリオ" panose="020B0604030504040204" pitchFamily="50" charset="-128"/>
-                <a:ea typeface="メイリオ" panose="020B0604030504040204" pitchFamily="50" charset="-128"/>
-              </a:rPr>
-              <a:t>　１２月～１月・・ 試作品の作成，機構等の検討</a:t>
-            </a:r>
-            <a:endParaRPr lang="en-US" altLang="ja-JP" sz="4800" dirty="0" smtClean="0">
-              <a:latin typeface="メイリオ" panose="020B0604030504040204" pitchFamily="50" charset="-128"/>
-              <a:ea typeface="メイリオ" panose="020B0604030504040204" pitchFamily="50" charset="-128"/>
-            </a:endParaRPr>
-          </a:p>
-          <a:p>
-            <a:r>
-              <a:rPr kumimoji="1" lang="ja-JP" altLang="en-US" sz="4800" dirty="0" smtClean="0">
-                <a:latin typeface="メイリオ" panose="020B0604030504040204" pitchFamily="50" charset="-128"/>
-                <a:ea typeface="メイリオ" panose="020B0604030504040204" pitchFamily="50" charset="-128"/>
-              </a:rPr>
-              <a:t>　１月～２月・・・ 試作品の作成，介護関係者へ向けてのプレゼン</a:t>
-            </a:r>
-            <a:endParaRPr kumimoji="1" lang="ja-JP" altLang="en-US" sz="4800" dirty="0">
-              <a:latin typeface="メイリオ" panose="020B0604030504040204" pitchFamily="50" charset="-128"/>
-              <a:ea typeface="メイリオ" panose="020B0604030504040204" pitchFamily="50" charset="-128"/>
-            </a:endParaRPr>
-          </a:p>
-        </p:txBody>
-      </p:sp>
-      <p:sp>
-        <p:nvSpPr>
-          <p:cNvPr id="58" name="ホームベース 57"/>
-          <p:cNvSpPr/>
-          <p:nvPr/>
-        </p:nvSpPr>
-        <p:spPr>
-          <a:xfrm>
-            <a:off x="664066" y="26949299"/>
-            <a:ext cx="5476690" cy="1296144"/>
+            <a:off x="10750742" y="11838507"/>
+            <a:ext cx="4896545" cy="996180"/>
           </a:xfrm>
           <a:prstGeom prst="homePlate">
             <a:avLst/>
@@ -4504,21 +4943,31 @@
           </a:fontRef>
         </p:style>
         <p:txBody>
-          <a:bodyPr rtlCol="0" anchor="b"/>
+          <a:bodyPr rtlCol="0" anchor="ctr"/>
           <a:lstStyle/>
           <a:p>
             <a:pPr algn="ctr"/>
             <a:r>
-              <a:rPr kumimoji="1" lang="ja-JP" altLang="en-US" dirty="0" smtClean="0">
+              <a:rPr kumimoji="1" lang="en-US" altLang="ja-JP" sz="4800" dirty="0" smtClean="0">
                 <a:solidFill>
                   <a:sysClr val="windowText" lastClr="000000"/>
                 </a:solidFill>
                 <a:latin typeface="メイリオ" panose="020B0604030504040204" pitchFamily="50" charset="-128"/>
                 <a:ea typeface="メイリオ" panose="020B0604030504040204" pitchFamily="50" charset="-128"/>
               </a:rPr>
-              <a:t>今後の計画</a:t>
-            </a:r>
-            <a:endParaRPr kumimoji="1" lang="ja-JP" altLang="en-US" dirty="0">
+              <a:t>PM</a:t>
+            </a:r>
+            <a:r>
+              <a:rPr kumimoji="1" lang="ja-JP" altLang="en-US" sz="4800" dirty="0" smtClean="0">
+                <a:solidFill>
+                  <a:sysClr val="windowText" lastClr="000000"/>
+                </a:solidFill>
+                <a:latin typeface="メイリオ" panose="020B0604030504040204" pitchFamily="50" charset="-128"/>
+                <a:ea typeface="メイリオ" panose="020B0604030504040204" pitchFamily="50" charset="-128"/>
+              </a:rPr>
+              <a:t>との関連</a:t>
+            </a:r>
+            <a:endParaRPr kumimoji="1" lang="ja-JP" altLang="en-US" sz="4800" dirty="0">
               <a:solidFill>
                 <a:sysClr val="windowText" lastClr="000000"/>
               </a:solidFill>
@@ -4530,63 +4979,14 @@
       </p:sp>
       <p:sp>
         <p:nvSpPr>
-          <p:cNvPr id="59" name="テキスト ボックス 58"/>
-          <p:cNvSpPr txBox="1"/>
+          <p:cNvPr id="36" name="ホームベース 35"/>
+          <p:cNvSpPr/>
           <p:nvPr/>
         </p:nvSpPr>
         <p:spPr>
           <a:xfrm>
-            <a:off x="865203" y="28435333"/>
-            <a:ext cx="16112103" cy="1754326"/>
-          </a:xfrm>
-          <a:prstGeom prst="rect">
-            <a:avLst/>
-          </a:prstGeom>
-          <a:noFill/>
-        </p:spPr>
-        <p:txBody>
-          <a:bodyPr wrap="none" rtlCol="0">
-            <a:spAutoFit/>
-          </a:bodyPr>
-          <a:lstStyle/>
-          <a:p>
-            <a:r>
-              <a:rPr kumimoji="1" lang="ja-JP" altLang="en-US" sz="5400" dirty="0" smtClean="0">
-                <a:latin typeface="メイリオ" panose="020B0604030504040204" pitchFamily="50" charset="-128"/>
-                <a:ea typeface="メイリオ" panose="020B0604030504040204" pitchFamily="50" charset="-128"/>
-              </a:rPr>
-              <a:t>・製品の試作，検証</a:t>
-            </a:r>
-            <a:endParaRPr kumimoji="1" lang="en-US" altLang="ja-JP" sz="5400" dirty="0" smtClean="0">
-              <a:latin typeface="メイリオ" panose="020B0604030504040204" pitchFamily="50" charset="-128"/>
-              <a:ea typeface="メイリオ" panose="020B0604030504040204" pitchFamily="50" charset="-128"/>
-            </a:endParaRPr>
-          </a:p>
-          <a:p>
-            <a:r>
-              <a:rPr lang="ja-JP" altLang="en-US" sz="5400" dirty="0" smtClean="0">
-                <a:latin typeface="メイリオ" panose="020B0604030504040204" pitchFamily="50" charset="-128"/>
-                <a:ea typeface="メイリオ" panose="020B0604030504040204" pitchFamily="50" charset="-128"/>
-              </a:rPr>
-              <a:t>・プロジェクト終結フェーズへ向けてまとめをする</a:t>
-            </a:r>
-            <a:endParaRPr kumimoji="1" lang="ja-JP" altLang="en-US" sz="5400" dirty="0">
-              <a:latin typeface="メイリオ" panose="020B0604030504040204" pitchFamily="50" charset="-128"/>
-              <a:ea typeface="メイリオ" panose="020B0604030504040204" pitchFamily="50" charset="-128"/>
-            </a:endParaRPr>
-          </a:p>
-        </p:txBody>
-      </p:sp>
-      <p:sp>
-        <p:nvSpPr>
-          <p:cNvPr id="60" name="ホームベース 59"/>
-          <p:cNvSpPr/>
-          <p:nvPr/>
-        </p:nvSpPr>
-        <p:spPr>
-          <a:xfrm>
-            <a:off x="756296" y="22625797"/>
-            <a:ext cx="3111145" cy="1296144"/>
+            <a:off x="828302" y="27681311"/>
+            <a:ext cx="4896545" cy="996180"/>
           </a:xfrm>
           <a:prstGeom prst="homePlate">
             <a:avLst/>
@@ -4617,21 +5017,21 @@
           </a:fontRef>
         </p:style>
         <p:txBody>
-          <a:bodyPr rtlCol="0" anchor="b"/>
+          <a:bodyPr rtlCol="0" anchor="ctr"/>
           <a:lstStyle/>
           <a:p>
             <a:pPr algn="ctr"/>
             <a:r>
-              <a:rPr kumimoji="1" lang="ja-JP" altLang="en-US" dirty="0" smtClean="0">
+              <a:rPr kumimoji="1" lang="ja-JP" altLang="en-US" sz="4800" dirty="0" smtClean="0">
                 <a:solidFill>
                   <a:sysClr val="windowText" lastClr="000000"/>
                 </a:solidFill>
                 <a:latin typeface="メイリオ" panose="020B0604030504040204" pitchFamily="50" charset="-128"/>
                 <a:ea typeface="メイリオ" panose="020B0604030504040204" pitchFamily="50" charset="-128"/>
               </a:rPr>
-              <a:t>進 捗</a:t>
-            </a:r>
-            <a:endParaRPr kumimoji="1" lang="ja-JP" altLang="en-US" dirty="0">
+              <a:t>今後の計画</a:t>
+            </a:r>
+            <a:endParaRPr kumimoji="1" lang="ja-JP" altLang="en-US" sz="4800" dirty="0">
               <a:solidFill>
                 <a:sysClr val="windowText" lastClr="000000"/>
               </a:solidFill>
@@ -4643,14 +5043,60 @@
       </p:sp>
       <p:sp>
         <p:nvSpPr>
-          <p:cNvPr id="61" name="テキスト ボックス 60"/>
+          <p:cNvPr id="8" name="右矢印 7"/>
+          <p:cNvSpPr/>
+          <p:nvPr/>
+        </p:nvSpPr>
+        <p:spPr>
+          <a:xfrm>
+            <a:off x="10252584" y="4122158"/>
+            <a:ext cx="1592943" cy="4489355"/>
+          </a:xfrm>
+          <a:prstGeom prst="rightArrow">
+            <a:avLst/>
+          </a:prstGeom>
+          <a:solidFill>
+            <a:srgbClr val="82D5FE"/>
+          </a:solidFill>
+          <a:ln>
+            <a:noFill/>
+          </a:ln>
+        </p:spPr>
+        <p:style>
+          <a:lnRef idx="2">
+            <a:schemeClr val="accent1">
+              <a:shade val="50000"/>
+            </a:schemeClr>
+          </a:lnRef>
+          <a:fillRef idx="1">
+            <a:schemeClr val="accent1"/>
+          </a:fillRef>
+          <a:effectRef idx="0">
+            <a:schemeClr val="accent1"/>
+          </a:effectRef>
+          <a:fontRef idx="minor">
+            <a:schemeClr val="lt1"/>
+          </a:fontRef>
+        </p:style>
+        <p:txBody>
+          <a:bodyPr rtlCol="0" anchor="ctr"/>
+          <a:lstStyle/>
+          <a:p>
+            <a:pPr algn="ctr"/>
+            <a:endParaRPr kumimoji="1" lang="ja-JP" altLang="en-US"/>
+          </a:p>
+        </p:txBody>
+      </p:sp>
+      <p:sp>
+        <p:nvSpPr>
+          <p:cNvPr id="9" name="テキスト ボックス 8"/>
           <p:cNvSpPr txBox="1"/>
           <p:nvPr/>
         </p:nvSpPr>
         <p:spPr>
           <a:xfrm>
-            <a:off x="1422219" y="15500027"/>
-            <a:ext cx="20267087" cy="923330"/>
+            <a:off x="10333360" y="3936201"/>
+            <a:ext cx="738664" cy="5632311"/>
           </a:xfrm>
           <a:prstGeom prst="rect">
             <a:avLst/>
@@ -4658,35 +5104,235 @@
           <a:noFill/>
         </p:spPr>
         <p:txBody>
-          <a:bodyPr wrap="none" rtlCol="0">
+          <a:bodyPr vert="eaVert" wrap="none" rtlCol="0">
             <a:spAutoFit/>
           </a:bodyPr>
           <a:lstStyle/>
           <a:p>
             <a:r>
-              <a:rPr lang="ja-JP" altLang="en-US" sz="5400" dirty="0" smtClean="0">
-                <a:latin typeface="メイリオ" panose="020B0604030504040204" pitchFamily="50" charset="-128"/>
-                <a:ea typeface="メイリオ" panose="020B0604030504040204" pitchFamily="50" charset="-128"/>
-              </a:rPr>
-              <a:t>各学科の専門知識を活かしたプロジェクトマネジメントが必要．</a:t>
-            </a:r>
-            <a:endParaRPr kumimoji="1" lang="ja-JP" altLang="en-US" sz="5400" dirty="0">
+              <a:rPr lang="ja-JP" altLang="en-US" sz="3600" dirty="0" smtClean="0">
+                <a:latin typeface="メイリオ" panose="020B0604030504040204" pitchFamily="50" charset="-128"/>
+                <a:ea typeface="メイリオ" panose="020B0604030504040204" pitchFamily="50" charset="-128"/>
+              </a:rPr>
+              <a:t>状況を打開するには・・・</a:t>
+            </a:r>
+            <a:endParaRPr kumimoji="1" lang="ja-JP" altLang="en-US" sz="3600" dirty="0">
               <a:latin typeface="メイリオ" panose="020B0604030504040204" pitchFamily="50" charset="-128"/>
               <a:ea typeface="メイリオ" panose="020B0604030504040204" pitchFamily="50" charset="-128"/>
             </a:endParaRPr>
           </a:p>
         </p:txBody>
       </p:sp>
-      <p:sp>
-        <p:nvSpPr>
-          <p:cNvPr id="62" name="テキスト ボックス 61"/>
+      <p:grpSp>
+        <p:nvGrpSpPr>
+          <p:cNvPr id="12" name="グループ化 11"/>
+          <p:cNvGrpSpPr/>
+          <p:nvPr/>
+        </p:nvGrpSpPr>
+        <p:grpSpPr>
+          <a:xfrm>
+            <a:off x="12084625" y="3304411"/>
+            <a:ext cx="9085895" cy="5859114"/>
+            <a:chOff x="12084625" y="4507586"/>
+            <a:chExt cx="9085895" cy="5859114"/>
+          </a:xfrm>
+        </p:grpSpPr>
+        <p:sp>
+          <p:nvSpPr>
+            <p:cNvPr id="10" name="円/楕円 9"/>
+            <p:cNvSpPr/>
+            <p:nvPr/>
+          </p:nvSpPr>
+          <p:spPr>
+            <a:xfrm>
+              <a:off x="12084625" y="4507586"/>
+              <a:ext cx="9085895" cy="5859114"/>
+            </a:xfrm>
+            <a:prstGeom prst="ellipse">
+              <a:avLst/>
+            </a:prstGeom>
+            <a:solidFill>
+              <a:srgbClr val="A9F57F">
+                <a:alpha val="80000"/>
+              </a:srgbClr>
+            </a:solidFill>
+            <a:ln>
+              <a:solidFill>
+                <a:srgbClr val="82D5FE"/>
+              </a:solidFill>
+            </a:ln>
+          </p:spPr>
+          <p:style>
+            <a:lnRef idx="2">
+              <a:schemeClr val="accent1">
+                <a:shade val="50000"/>
+              </a:schemeClr>
+            </a:lnRef>
+            <a:fillRef idx="1">
+              <a:schemeClr val="accent1"/>
+            </a:fillRef>
+            <a:effectRef idx="0">
+              <a:schemeClr val="accent1"/>
+            </a:effectRef>
+            <a:fontRef idx="minor">
+              <a:schemeClr val="lt1"/>
+            </a:fontRef>
+          </p:style>
+          <p:txBody>
+            <a:bodyPr rtlCol="0" anchor="ctr"/>
+            <a:lstStyle/>
+            <a:p>
+              <a:pPr algn="ctr"/>
+              <a:endParaRPr kumimoji="1" lang="ja-JP" altLang="en-US"/>
+            </a:p>
+          </p:txBody>
+        </p:sp>
+        <p:sp>
+          <p:nvSpPr>
+            <p:cNvPr id="37" name="テキスト ボックス 36"/>
+            <p:cNvSpPr txBox="1"/>
+            <p:nvPr/>
+          </p:nvSpPr>
+          <p:spPr>
+            <a:xfrm>
+              <a:off x="13303586" y="5453628"/>
+              <a:ext cx="6647974" cy="3970318"/>
+            </a:xfrm>
+            <a:prstGeom prst="rect">
+              <a:avLst/>
+            </a:prstGeom>
+            <a:noFill/>
+          </p:spPr>
+          <p:txBody>
+            <a:bodyPr wrap="none" rtlCol="0">
+              <a:spAutoFit/>
+            </a:bodyPr>
+            <a:lstStyle/>
+            <a:p>
+              <a:r>
+                <a:rPr lang="ja-JP" altLang="en-US" sz="3600" dirty="0" smtClean="0">
+                  <a:latin typeface="メイリオ" panose="020B0604030504040204" pitchFamily="50" charset="-128"/>
+                  <a:ea typeface="メイリオ" panose="020B0604030504040204" pitchFamily="50" charset="-128"/>
+                </a:rPr>
+                <a:t>これらの対策が必要</a:t>
+              </a:r>
+              <a:endParaRPr lang="en-US" altLang="ja-JP" sz="3600" dirty="0" smtClean="0">
+                <a:latin typeface="メイリオ" panose="020B0604030504040204" pitchFamily="50" charset="-128"/>
+                <a:ea typeface="メイリオ" panose="020B0604030504040204" pitchFamily="50" charset="-128"/>
+              </a:endParaRPr>
+            </a:p>
+            <a:p>
+              <a:r>
+                <a:rPr lang="ja-JP" altLang="en-US" sz="3600" dirty="0" smtClean="0">
+                  <a:latin typeface="メイリオ" panose="020B0604030504040204" pitchFamily="50" charset="-128"/>
+                  <a:ea typeface="メイリオ" panose="020B0604030504040204" pitchFamily="50" charset="-128"/>
+                </a:rPr>
+                <a:t>　</a:t>
+              </a:r>
+              <a:endParaRPr lang="en-US" altLang="ja-JP" sz="3600" dirty="0" smtClean="0">
+                <a:latin typeface="メイリオ" panose="020B0604030504040204" pitchFamily="50" charset="-128"/>
+                <a:ea typeface="メイリオ" panose="020B0604030504040204" pitchFamily="50" charset="-128"/>
+              </a:endParaRPr>
+            </a:p>
+            <a:p>
+              <a:r>
+                <a:rPr lang="ja-JP" altLang="en-US" sz="3600" dirty="0" smtClean="0">
+                  <a:latin typeface="メイリオ" panose="020B0604030504040204" pitchFamily="50" charset="-128"/>
+                  <a:ea typeface="メイリオ" panose="020B0604030504040204" pitchFamily="50" charset="-128"/>
+                </a:rPr>
+                <a:t>　・</a:t>
+              </a:r>
+              <a:r>
+                <a:rPr lang="ja-JP" altLang="en-US" sz="3600" u="sng" dirty="0" smtClean="0">
+                  <a:latin typeface="メイリオ" panose="020B0604030504040204" pitchFamily="50" charset="-128"/>
+                  <a:ea typeface="メイリオ" panose="020B0604030504040204" pitchFamily="50" charset="-128"/>
+                </a:rPr>
+                <a:t>介護のオートメーション化</a:t>
+              </a:r>
+              <a:endParaRPr lang="en-US" altLang="ja-JP" sz="3600" u="sng" dirty="0" smtClean="0">
+                <a:latin typeface="メイリオ" panose="020B0604030504040204" pitchFamily="50" charset="-128"/>
+                <a:ea typeface="メイリオ" panose="020B0604030504040204" pitchFamily="50" charset="-128"/>
+              </a:endParaRPr>
+            </a:p>
+            <a:p>
+              <a:r>
+                <a:rPr lang="ja-JP" altLang="en-US" sz="3600" dirty="0" smtClean="0">
+                  <a:latin typeface="メイリオ" panose="020B0604030504040204" pitchFamily="50" charset="-128"/>
+                  <a:ea typeface="メイリオ" panose="020B0604030504040204" pitchFamily="50" charset="-128"/>
+                </a:rPr>
+                <a:t>　</a:t>
+              </a:r>
+              <a:endParaRPr lang="en-US" altLang="ja-JP" sz="3600" dirty="0" smtClean="0">
+                <a:latin typeface="メイリオ" panose="020B0604030504040204" pitchFamily="50" charset="-128"/>
+                <a:ea typeface="メイリオ" panose="020B0604030504040204" pitchFamily="50" charset="-128"/>
+              </a:endParaRPr>
+            </a:p>
+            <a:p>
+              <a:r>
+                <a:rPr lang="ja-JP" altLang="en-US" sz="3600" dirty="0" smtClean="0">
+                  <a:latin typeface="メイリオ" panose="020B0604030504040204" pitchFamily="50" charset="-128"/>
+                  <a:ea typeface="メイリオ" panose="020B0604030504040204" pitchFamily="50" charset="-128"/>
+                </a:rPr>
+                <a:t>　・</a:t>
+              </a:r>
+              <a:r>
+                <a:rPr lang="ja-JP" altLang="en-US" sz="3600" u="sng" dirty="0" smtClean="0">
+                  <a:latin typeface="メイリオ" panose="020B0604030504040204" pitchFamily="50" charset="-128"/>
+                  <a:ea typeface="メイリオ" panose="020B0604030504040204" pitchFamily="50" charset="-128"/>
+                </a:rPr>
+                <a:t>介護職員の負担軽減</a:t>
+              </a:r>
+              <a:endParaRPr lang="en-US" altLang="ja-JP" sz="3600" u="sng" dirty="0" smtClean="0">
+                <a:latin typeface="メイリオ" panose="020B0604030504040204" pitchFamily="50" charset="-128"/>
+                <a:ea typeface="メイリオ" panose="020B0604030504040204" pitchFamily="50" charset="-128"/>
+              </a:endParaRPr>
+            </a:p>
+            <a:p>
+              <a:r>
+                <a:rPr lang="ja-JP" altLang="en-US" sz="3600" dirty="0" smtClean="0">
+                  <a:latin typeface="メイリオ" panose="020B0604030504040204" pitchFamily="50" charset="-128"/>
+                  <a:ea typeface="メイリオ" panose="020B0604030504040204" pitchFamily="50" charset="-128"/>
+                </a:rPr>
+                <a:t>　</a:t>
+              </a:r>
+              <a:endParaRPr lang="en-US" altLang="ja-JP" sz="3600" dirty="0">
+                <a:latin typeface="メイリオ" panose="020B0604030504040204" pitchFamily="50" charset="-128"/>
+                <a:ea typeface="メイリオ" panose="020B0604030504040204" pitchFamily="50" charset="-128"/>
+              </a:endParaRPr>
+            </a:p>
+            <a:p>
+              <a:r>
+                <a:rPr lang="ja-JP" altLang="en-US" sz="3600" dirty="0" smtClean="0">
+                  <a:latin typeface="メイリオ" panose="020B0604030504040204" pitchFamily="50" charset="-128"/>
+                  <a:ea typeface="メイリオ" panose="020B0604030504040204" pitchFamily="50" charset="-128"/>
+                </a:rPr>
+                <a:t>　・</a:t>
+              </a:r>
+              <a:r>
+                <a:rPr lang="ja-JP" altLang="en-US" sz="3600" u="sng" dirty="0" smtClean="0">
+                  <a:latin typeface="メイリオ" panose="020B0604030504040204" pitchFamily="50" charset="-128"/>
+                  <a:ea typeface="メイリオ" panose="020B0604030504040204" pitchFamily="50" charset="-128"/>
+                </a:rPr>
+                <a:t>外国人労働者の雇用</a:t>
+              </a:r>
+              <a:endParaRPr lang="en-US" altLang="ja-JP" sz="3600" u="sng" dirty="0" smtClean="0">
+                <a:latin typeface="メイリオ" panose="020B0604030504040204" pitchFamily="50" charset="-128"/>
+                <a:ea typeface="メイリオ" panose="020B0604030504040204" pitchFamily="50" charset="-128"/>
+              </a:endParaRPr>
+            </a:p>
+          </p:txBody>
+        </p:sp>
+      </p:grpSp>
+      <p:sp>
+        <p:nvSpPr>
+          <p:cNvPr id="40" name="テキスト ボックス 39"/>
           <p:cNvSpPr txBox="1"/>
           <p:nvPr/>
         </p:nvSpPr>
         <p:spPr>
           <a:xfrm>
-            <a:off x="1368126" y="11462888"/>
-            <a:ext cx="19644764" cy="830997"/>
+            <a:off x="2065774" y="10914162"/>
+            <a:ext cx="17112377" cy="769441"/>
           </a:xfrm>
           <a:prstGeom prst="rect">
             <a:avLst/>
@@ -4694,40 +5340,19 @@
           <a:noFill/>
         </p:spPr>
         <p:txBody>
-          <a:bodyPr wrap="square" rtlCol="0">
+          <a:bodyPr wrap="none" rtlCol="0">
             <a:spAutoFit/>
           </a:bodyPr>
           <a:lstStyle/>
           <a:p>
             <a:r>
-              <a:rPr kumimoji="1" lang="en-US" altLang="ja-JP" sz="4800" dirty="0" smtClean="0">
-                <a:latin typeface="メイリオ" panose="020B0604030504040204" pitchFamily="50" charset="-128"/>
-                <a:ea typeface="メイリオ" panose="020B0604030504040204" pitchFamily="50" charset="-128"/>
-              </a:rPr>
-              <a:t>SI-LAB</a:t>
-            </a:r>
-            <a:r>
-              <a:rPr lang="ja-JP" altLang="en-US" sz="4800" dirty="0">
-                <a:latin typeface="メイリオ" panose="020B0604030504040204" pitchFamily="50" charset="-128"/>
-                <a:ea typeface="メイリオ" panose="020B0604030504040204" pitchFamily="50" charset="-128"/>
-              </a:rPr>
-              <a:t>（</a:t>
-            </a:r>
-            <a:r>
-              <a:rPr lang="en-US" altLang="ja-JP" sz="4800" dirty="0">
-                <a:latin typeface="メイリオ" panose="020B0604030504040204" pitchFamily="50" charset="-128"/>
-                <a:ea typeface="メイリオ" panose="020B0604030504040204" pitchFamily="50" charset="-128"/>
-              </a:rPr>
-              <a:t>Society Implementation Laboratory</a:t>
-            </a:r>
-            <a:r>
-              <a:rPr lang="ja-JP" altLang="en-US" sz="4800" dirty="0" smtClean="0">
-                <a:latin typeface="メイリオ" panose="020B0604030504040204" pitchFamily="50" charset="-128"/>
-                <a:ea typeface="メイリオ" panose="020B0604030504040204" pitchFamily="50" charset="-128"/>
-              </a:rPr>
-              <a:t>）の活動を通して</a:t>
-            </a:r>
-            <a:endParaRPr kumimoji="1" lang="ja-JP" altLang="en-US" sz="4800" dirty="0">
+              <a:rPr lang="ja-JP" altLang="en-US" sz="4400" u="sng" dirty="0" smtClean="0">
+                <a:latin typeface="メイリオ" panose="020B0604030504040204" pitchFamily="50" charset="-128"/>
+                <a:ea typeface="メイリオ" panose="020B0604030504040204" pitchFamily="50" charset="-128"/>
+              </a:rPr>
+              <a:t>介護職員の負担軽減の視点から，介護機器開発をしようと考えた．</a:t>
+            </a:r>
+            <a:endParaRPr lang="en-US" altLang="ja-JP" sz="4400" u="sng" dirty="0" smtClean="0">
               <a:latin typeface="メイリオ" panose="020B0604030504040204" pitchFamily="50" charset="-128"/>
               <a:ea typeface="メイリオ" panose="020B0604030504040204" pitchFamily="50" charset="-128"/>
             </a:endParaRPr>
@@ -4736,14 +5361,246 @@
       </p:sp>
       <p:sp>
         <p:nvSpPr>
-          <p:cNvPr id="63" name="テキスト ボックス 62"/>
+          <p:cNvPr id="13" name="円/楕円 12"/>
+          <p:cNvSpPr/>
+          <p:nvPr/>
+        </p:nvSpPr>
+        <p:spPr>
+          <a:xfrm>
+            <a:off x="10951324" y="13100941"/>
+            <a:ext cx="3290376" cy="1921143"/>
+          </a:xfrm>
+          <a:prstGeom prst="ellipse">
+            <a:avLst/>
+          </a:prstGeom>
+          <a:solidFill>
+            <a:srgbClr val="82D5FE"/>
+          </a:solidFill>
+          <a:ln>
+            <a:solidFill>
+              <a:srgbClr val="82D5FE"/>
+            </a:solidFill>
+          </a:ln>
+        </p:spPr>
+        <p:style>
+          <a:lnRef idx="2">
+            <a:schemeClr val="accent1">
+              <a:shade val="50000"/>
+            </a:schemeClr>
+          </a:lnRef>
+          <a:fillRef idx="1">
+            <a:schemeClr val="accent1"/>
+          </a:fillRef>
+          <a:effectRef idx="0">
+            <a:schemeClr val="accent1"/>
+          </a:effectRef>
+          <a:fontRef idx="minor">
+            <a:schemeClr val="lt1"/>
+          </a:fontRef>
+        </p:style>
+        <p:txBody>
+          <a:bodyPr rtlCol="0" anchor="ctr"/>
+          <a:lstStyle/>
+          <a:p>
+            <a:pPr algn="ctr"/>
+            <a:r>
+              <a:rPr lang="ja-JP" altLang="en-US" sz="2800" dirty="0" smtClean="0">
+                <a:solidFill>
+                  <a:sysClr val="windowText" lastClr="000000"/>
+                </a:solidFill>
+                <a:latin typeface="メイリオ" panose="020B0604030504040204" pitchFamily="50" charset="-128"/>
+                <a:ea typeface="メイリオ" panose="020B0604030504040204" pitchFamily="50" charset="-128"/>
+              </a:rPr>
+              <a:t>プロジェクト</a:t>
+            </a:r>
+            <a:endParaRPr lang="en-US" altLang="ja-JP" sz="2800" dirty="0" smtClean="0">
+              <a:solidFill>
+                <a:sysClr val="windowText" lastClr="000000"/>
+              </a:solidFill>
+              <a:latin typeface="メイリオ" panose="020B0604030504040204" pitchFamily="50" charset="-128"/>
+              <a:ea typeface="メイリオ" panose="020B0604030504040204" pitchFamily="50" charset="-128"/>
+            </a:endParaRPr>
+          </a:p>
+          <a:p>
+            <a:pPr algn="ctr"/>
+            <a:r>
+              <a:rPr lang="ja-JP" altLang="en-US" sz="2800" dirty="0" smtClean="0">
+                <a:solidFill>
+                  <a:sysClr val="windowText" lastClr="000000"/>
+                </a:solidFill>
+                <a:latin typeface="メイリオ" panose="020B0604030504040204" pitchFamily="50" charset="-128"/>
+                <a:ea typeface="メイリオ" panose="020B0604030504040204" pitchFamily="50" charset="-128"/>
+              </a:rPr>
+              <a:t>マネジメント</a:t>
+            </a:r>
+            <a:endParaRPr kumimoji="1" lang="ja-JP" altLang="en-US" sz="2800" dirty="0">
+              <a:solidFill>
+                <a:sysClr val="windowText" lastClr="000000"/>
+              </a:solidFill>
+              <a:latin typeface="メイリオ" panose="020B0604030504040204" pitchFamily="50" charset="-128"/>
+              <a:ea typeface="メイリオ" panose="020B0604030504040204" pitchFamily="50" charset="-128"/>
+            </a:endParaRPr>
+          </a:p>
+        </p:txBody>
+      </p:sp>
+      <p:sp>
+        <p:nvSpPr>
+          <p:cNvPr id="41" name="円/楕円 40"/>
+          <p:cNvSpPr/>
+          <p:nvPr/>
+        </p:nvSpPr>
+        <p:spPr>
+          <a:xfrm>
+            <a:off x="14570968" y="13100941"/>
+            <a:ext cx="2585916" cy="1921143"/>
+          </a:xfrm>
+          <a:prstGeom prst="ellipse">
+            <a:avLst/>
+          </a:prstGeom>
+          <a:solidFill>
+            <a:srgbClr val="82D5FE"/>
+          </a:solidFill>
+          <a:ln>
+            <a:solidFill>
+              <a:srgbClr val="82D5FE"/>
+            </a:solidFill>
+          </a:ln>
+        </p:spPr>
+        <p:style>
+          <a:lnRef idx="2">
+            <a:schemeClr val="accent1">
+              <a:shade val="50000"/>
+            </a:schemeClr>
+          </a:lnRef>
+          <a:fillRef idx="1">
+            <a:schemeClr val="accent1"/>
+          </a:fillRef>
+          <a:effectRef idx="0">
+            <a:schemeClr val="accent1"/>
+          </a:effectRef>
+          <a:fontRef idx="minor">
+            <a:schemeClr val="lt1"/>
+          </a:fontRef>
+        </p:style>
+        <p:txBody>
+          <a:bodyPr rtlCol="0" anchor="ctr"/>
+          <a:lstStyle/>
+          <a:p>
+            <a:pPr algn="ctr"/>
+            <a:r>
+              <a:rPr kumimoji="1" lang="ja-JP" altLang="en-US" sz="2800" dirty="0" smtClean="0">
+                <a:solidFill>
+                  <a:sysClr val="windowText" lastClr="000000"/>
+                </a:solidFill>
+                <a:latin typeface="メイリオ" panose="020B0604030504040204" pitchFamily="50" charset="-128"/>
+                <a:ea typeface="メイリオ" panose="020B0604030504040204" pitchFamily="50" charset="-128"/>
+              </a:rPr>
+              <a:t>デザイン</a:t>
+            </a:r>
+            <a:endParaRPr kumimoji="1" lang="ja-JP" altLang="en-US" sz="2800" dirty="0">
+              <a:solidFill>
+                <a:sysClr val="windowText" lastClr="000000"/>
+              </a:solidFill>
+              <a:latin typeface="メイリオ" panose="020B0604030504040204" pitchFamily="50" charset="-128"/>
+              <a:ea typeface="メイリオ" panose="020B0604030504040204" pitchFamily="50" charset="-128"/>
+            </a:endParaRPr>
+          </a:p>
+        </p:txBody>
+      </p:sp>
+      <p:sp>
+        <p:nvSpPr>
+          <p:cNvPr id="44" name="円/楕円 43"/>
+          <p:cNvSpPr/>
+          <p:nvPr/>
+        </p:nvSpPr>
+        <p:spPr>
+          <a:xfrm>
+            <a:off x="17534160" y="13137368"/>
+            <a:ext cx="3539566" cy="1830441"/>
+          </a:xfrm>
+          <a:prstGeom prst="ellipse">
+            <a:avLst/>
+          </a:prstGeom>
+          <a:solidFill>
+            <a:srgbClr val="82D5FE"/>
+          </a:solidFill>
+          <a:ln>
+            <a:solidFill>
+              <a:srgbClr val="82D5FE"/>
+            </a:solidFill>
+          </a:ln>
+        </p:spPr>
+        <p:style>
+          <a:lnRef idx="2">
+            <a:schemeClr val="accent1">
+              <a:shade val="50000"/>
+            </a:schemeClr>
+          </a:lnRef>
+          <a:fillRef idx="1">
+            <a:schemeClr val="accent1"/>
+          </a:fillRef>
+          <a:effectRef idx="0">
+            <a:schemeClr val="accent1"/>
+          </a:effectRef>
+          <a:fontRef idx="minor">
+            <a:schemeClr val="lt1"/>
+          </a:fontRef>
+        </p:style>
+        <p:txBody>
+          <a:bodyPr rtlCol="0" anchor="ctr"/>
+          <a:lstStyle/>
+          <a:p>
+            <a:pPr algn="ctr"/>
+            <a:r>
+              <a:rPr lang="ja-JP" altLang="en-US" sz="2800" dirty="0" smtClean="0">
+                <a:solidFill>
+                  <a:sysClr val="windowText" lastClr="000000"/>
+                </a:solidFill>
+                <a:latin typeface="メイリオ" panose="020B0604030504040204" pitchFamily="50" charset="-128"/>
+                <a:ea typeface="メイリオ" panose="020B0604030504040204" pitchFamily="50" charset="-128"/>
+              </a:rPr>
+              <a:t>未来</a:t>
+            </a:r>
+            <a:endParaRPr lang="en-US" altLang="ja-JP" sz="2800" dirty="0" smtClean="0">
+              <a:solidFill>
+                <a:sysClr val="windowText" lastClr="000000"/>
+              </a:solidFill>
+              <a:latin typeface="メイリオ" panose="020B0604030504040204" pitchFamily="50" charset="-128"/>
+              <a:ea typeface="メイリオ" panose="020B0604030504040204" pitchFamily="50" charset="-128"/>
+            </a:endParaRPr>
+          </a:p>
+          <a:p>
+            <a:pPr algn="ctr"/>
+            <a:r>
+              <a:rPr lang="ja-JP" altLang="en-US" sz="2800" dirty="0" smtClean="0">
+                <a:solidFill>
+                  <a:sysClr val="windowText" lastClr="000000"/>
+                </a:solidFill>
+                <a:latin typeface="メイリオ" panose="020B0604030504040204" pitchFamily="50" charset="-128"/>
+                <a:ea typeface="メイリオ" panose="020B0604030504040204" pitchFamily="50" charset="-128"/>
+              </a:rPr>
+              <a:t>ロボティクス</a:t>
+            </a:r>
+            <a:endParaRPr kumimoji="1" lang="ja-JP" altLang="en-US" sz="2800" dirty="0">
+              <a:solidFill>
+                <a:sysClr val="windowText" lastClr="000000"/>
+              </a:solidFill>
+              <a:latin typeface="メイリオ" panose="020B0604030504040204" pitchFamily="50" charset="-128"/>
+              <a:ea typeface="メイリオ" panose="020B0604030504040204" pitchFamily="50" charset="-128"/>
+            </a:endParaRPr>
+          </a:p>
+        </p:txBody>
+      </p:sp>
+      <p:sp>
+        <p:nvSpPr>
+          <p:cNvPr id="57" name="テキスト ボックス 56"/>
           <p:cNvSpPr txBox="1"/>
           <p:nvPr/>
         </p:nvSpPr>
         <p:spPr>
           <a:xfrm>
-            <a:off x="5407337" y="12590275"/>
-            <a:ext cx="10572125" cy="923330"/>
+            <a:off x="1339309" y="26073645"/>
+            <a:ext cx="14034611" cy="1323439"/>
           </a:xfrm>
           <a:prstGeom prst="rect">
             <a:avLst/>
@@ -4757,63 +5614,26 @@
           <a:lstStyle/>
           <a:p>
             <a:r>
-              <a:rPr kumimoji="1" lang="ja-JP" altLang="en-US" sz="5400" dirty="0" smtClean="0">
-                <a:latin typeface="メイリオ" panose="020B0604030504040204" pitchFamily="50" charset="-128"/>
-                <a:ea typeface="メイリオ" panose="020B0604030504040204" pitchFamily="50" charset="-128"/>
-              </a:rPr>
-              <a:t>技術で介護現場を支える製品開発</a:t>
-            </a:r>
-            <a:endParaRPr kumimoji="1" lang="ja-JP" altLang="en-US" sz="5400" dirty="0">
+              <a:rPr lang="ja-JP" altLang="en-US" sz="4000" dirty="0" smtClean="0">
+                <a:latin typeface="メイリオ" panose="020B0604030504040204" pitchFamily="50" charset="-128"/>
+                <a:ea typeface="メイリオ" panose="020B0604030504040204" pitchFamily="50" charset="-128"/>
+              </a:rPr>
+              <a:t>現在までの活動で，ガントチャートを使用した進捗管理，</a:t>
+            </a:r>
+            <a:endParaRPr lang="en-US" altLang="ja-JP" sz="4000" dirty="0" smtClean="0">
               <a:latin typeface="メイリオ" panose="020B0604030504040204" pitchFamily="50" charset="-128"/>
               <a:ea typeface="メイリオ" panose="020B0604030504040204" pitchFamily="50" charset="-128"/>
             </a:endParaRPr>
           </a:p>
-        </p:txBody>
-      </p:sp>
-      <p:sp>
-        <p:nvSpPr>
-          <p:cNvPr id="22" name="テキスト ボックス 21"/>
-          <p:cNvSpPr txBox="1"/>
-          <p:nvPr/>
-        </p:nvSpPr>
-        <p:spPr>
-          <a:xfrm>
-            <a:off x="12235660" y="27186227"/>
-            <a:ext cx="8792792" cy="769441"/>
-          </a:xfrm>
-          <a:prstGeom prst="rect">
-            <a:avLst/>
-          </a:prstGeom>
-          <a:noFill/>
-        </p:spPr>
-        <p:txBody>
-          <a:bodyPr wrap="none" rtlCol="0">
-            <a:spAutoFit/>
-          </a:bodyPr>
-          <a:lstStyle/>
-          <a:p>
-            <a:r>
-              <a:rPr kumimoji="1" lang="ja-JP" altLang="en-US" sz="4400" dirty="0" smtClean="0">
-                <a:latin typeface="メイリオ" panose="020B0604030504040204" pitchFamily="50" charset="-128"/>
-                <a:ea typeface="メイリオ" panose="020B0604030504040204" pitchFamily="50" charset="-128"/>
-              </a:rPr>
-              <a:t>トイレ介助機器「</a:t>
-            </a:r>
-            <a:r>
-              <a:rPr kumimoji="1" lang="en-US" altLang="ja-JP" sz="4400" dirty="0" smtClean="0">
-                <a:latin typeface="メイリオ" panose="020B0604030504040204" pitchFamily="50" charset="-128"/>
-                <a:ea typeface="メイリオ" panose="020B0604030504040204" pitchFamily="50" charset="-128"/>
-              </a:rPr>
-              <a:t>CHOIC</a:t>
-            </a:r>
-            <a:r>
-              <a:rPr kumimoji="1" lang="ja-JP" altLang="en-US" sz="4400" dirty="0" smtClean="0">
-                <a:latin typeface="メイリオ" panose="020B0604030504040204" pitchFamily="50" charset="-128"/>
-                <a:ea typeface="メイリオ" panose="020B0604030504040204" pitchFamily="50" charset="-128"/>
-              </a:rPr>
-              <a:t>」の提案</a:t>
-            </a:r>
-            <a:endParaRPr kumimoji="1" lang="ja-JP" altLang="en-US" sz="4400" dirty="0">
+          <a:p>
+            <a:r>
+              <a:rPr lang="ja-JP" altLang="en-US" sz="4000" dirty="0" smtClean="0">
+                <a:latin typeface="メイリオ" panose="020B0604030504040204" pitchFamily="50" charset="-128"/>
+                <a:ea typeface="メイリオ" panose="020B0604030504040204" pitchFamily="50" charset="-128"/>
+              </a:rPr>
+              <a:t>議事録を使用した知識共有などのマネジメントを実施した．</a:t>
+            </a:r>
+            <a:endParaRPr lang="en-US" altLang="ja-JP" sz="4000" dirty="0" smtClean="0">
               <a:latin typeface="メイリオ" panose="020B0604030504040204" pitchFamily="50" charset="-128"/>
               <a:ea typeface="メイリオ" panose="020B0604030504040204" pitchFamily="50" charset="-128"/>
             </a:endParaRPr>
@@ -4822,362 +5642,28 @@
       </p:sp>
       <p:pic>
         <p:nvPicPr>
-          <p:cNvPr id="24" name="図 23"/>
+          <p:cNvPr id="15" name="図 14"/>
           <p:cNvPicPr>
             <a:picLocks noChangeAspect="1"/>
           </p:cNvPicPr>
           <p:nvPr/>
         </p:nvPicPr>
         <p:blipFill>
-          <a:blip r:embed="rId3" cstate="print">
-            <a:extLst>
-              <a:ext uri="{28A0092B-C50C-407E-A947-70E740481C1C}">
-                <a14:useLocalDpi xmlns:a14="http://schemas.microsoft.com/office/drawing/2010/main" val="0"/>
-              </a:ext>
-            </a:extLst>
-          </a:blip>
+          <a:blip r:embed="rId4"/>
           <a:stretch>
             <a:fillRect/>
           </a:stretch>
         </p:blipFill>
         <p:spPr>
           <a:xfrm>
-            <a:off x="14574951" y="22661391"/>
-            <a:ext cx="6360143" cy="4359916"/>
+            <a:off x="1562153" y="3590703"/>
+            <a:ext cx="8484675" cy="4850751"/>
           </a:xfrm>
           <a:prstGeom prst="rect">
             <a:avLst/>
           </a:prstGeom>
         </p:spPr>
       </p:pic>
-      <p:sp>
-        <p:nvSpPr>
-          <p:cNvPr id="66" name="テキスト ボックス 65"/>
-          <p:cNvSpPr txBox="1"/>
-          <p:nvPr/>
-        </p:nvSpPr>
-        <p:spPr>
-          <a:xfrm>
-            <a:off x="1199460" y="24340616"/>
-            <a:ext cx="13726835" cy="2308324"/>
-          </a:xfrm>
-          <a:prstGeom prst="rect">
-            <a:avLst/>
-          </a:prstGeom>
-          <a:noFill/>
-        </p:spPr>
-        <p:txBody>
-          <a:bodyPr wrap="none" rtlCol="0">
-            <a:spAutoFit/>
-          </a:bodyPr>
-          <a:lstStyle/>
-          <a:p>
-            <a:r>
-              <a:rPr lang="ja-JP" altLang="en-US" sz="4800" dirty="0" smtClean="0">
-                <a:latin typeface="メイリオ" panose="020B0604030504040204" pitchFamily="50" charset="-128"/>
-                <a:ea typeface="メイリオ" panose="020B0604030504040204" pitchFamily="50" charset="-128"/>
-              </a:rPr>
-              <a:t>多数の介護施設へのヒヤリングを行ない，</a:t>
-            </a:r>
-            <a:endParaRPr lang="en-US" altLang="ja-JP" sz="4800" dirty="0" smtClean="0">
-              <a:latin typeface="メイリオ" panose="020B0604030504040204" pitchFamily="50" charset="-128"/>
-              <a:ea typeface="メイリオ" panose="020B0604030504040204" pitchFamily="50" charset="-128"/>
-            </a:endParaRPr>
-          </a:p>
-          <a:p>
-            <a:r>
-              <a:rPr lang="ja-JP" altLang="en-US" sz="4800" dirty="0" smtClean="0">
-                <a:latin typeface="メイリオ" panose="020B0604030504040204" pitchFamily="50" charset="-128"/>
-                <a:ea typeface="メイリオ" panose="020B0604030504040204" pitchFamily="50" charset="-128"/>
-              </a:rPr>
-              <a:t>ブレストや</a:t>
-            </a:r>
-            <a:r>
-              <a:rPr lang="en-US" altLang="ja-JP" sz="4800" dirty="0" smtClean="0">
-                <a:latin typeface="メイリオ" panose="020B0604030504040204" pitchFamily="50" charset="-128"/>
-                <a:ea typeface="メイリオ" panose="020B0604030504040204" pitchFamily="50" charset="-128"/>
-              </a:rPr>
-              <a:t>KJ</a:t>
-            </a:r>
-            <a:r>
-              <a:rPr lang="ja-JP" altLang="en-US" sz="4800" dirty="0" smtClean="0">
-                <a:latin typeface="メイリオ" panose="020B0604030504040204" pitchFamily="50" charset="-128"/>
-                <a:ea typeface="メイリオ" panose="020B0604030504040204" pitchFamily="50" charset="-128"/>
-              </a:rPr>
-              <a:t>法を使い，“</a:t>
-            </a:r>
-            <a:r>
-              <a:rPr lang="en-US" altLang="ja-JP" sz="4800" dirty="0" smtClean="0">
-                <a:latin typeface="メイリオ" panose="020B0604030504040204" pitchFamily="50" charset="-128"/>
-                <a:ea typeface="メイリオ" panose="020B0604030504040204" pitchFamily="50" charset="-128"/>
-              </a:rPr>
-              <a:t>CHOICE</a:t>
-            </a:r>
-            <a:r>
-              <a:rPr lang="ja-JP" altLang="en-US" sz="4800" dirty="0" smtClean="0">
-                <a:latin typeface="メイリオ" panose="020B0604030504040204" pitchFamily="50" charset="-128"/>
-                <a:ea typeface="メイリオ" panose="020B0604030504040204" pitchFamily="50" charset="-128"/>
-              </a:rPr>
-              <a:t>”を提案．</a:t>
-            </a:r>
-            <a:endParaRPr lang="en-US" altLang="ja-JP" sz="4800" dirty="0" smtClean="0">
-              <a:latin typeface="メイリオ" panose="020B0604030504040204" pitchFamily="50" charset="-128"/>
-              <a:ea typeface="メイリオ" panose="020B0604030504040204" pitchFamily="50" charset="-128"/>
-            </a:endParaRPr>
-          </a:p>
-          <a:p>
-            <a:r>
-              <a:rPr lang="ja-JP" altLang="en-US" sz="4800" dirty="0">
-                <a:latin typeface="メイリオ" panose="020B0604030504040204" pitchFamily="50" charset="-128"/>
-                <a:ea typeface="メイリオ" panose="020B0604030504040204" pitchFamily="50" charset="-128"/>
-              </a:rPr>
-              <a:t>人的資源</a:t>
-            </a:r>
-            <a:r>
-              <a:rPr lang="ja-JP" altLang="en-US" sz="4800" dirty="0" smtClean="0">
-                <a:latin typeface="メイリオ" panose="020B0604030504040204" pitchFamily="50" charset="-128"/>
-                <a:ea typeface="メイリオ" panose="020B0604030504040204" pitchFamily="50" charset="-128"/>
-              </a:rPr>
-              <a:t>管理，スケジュール管理などを行った．</a:t>
-            </a:r>
-            <a:endParaRPr lang="en-US" altLang="ja-JP" sz="4800" dirty="0" smtClean="0">
-              <a:latin typeface="メイリオ" panose="020B0604030504040204" pitchFamily="50" charset="-128"/>
-              <a:ea typeface="メイリオ" panose="020B0604030504040204" pitchFamily="50" charset="-128"/>
-            </a:endParaRPr>
-          </a:p>
-        </p:txBody>
-      </p:sp>
-      <p:sp>
-        <p:nvSpPr>
-          <p:cNvPr id="30" name="テキスト ボックス 29"/>
-          <p:cNvSpPr txBox="1"/>
-          <p:nvPr/>
-        </p:nvSpPr>
-        <p:spPr>
-          <a:xfrm>
-            <a:off x="1199460" y="4445288"/>
-            <a:ext cx="9422772" cy="1754326"/>
-          </a:xfrm>
-          <a:prstGeom prst="rect">
-            <a:avLst/>
-          </a:prstGeom>
-          <a:noFill/>
-        </p:spPr>
-        <p:txBody>
-          <a:bodyPr wrap="none" rtlCol="0">
-            <a:spAutoFit/>
-          </a:bodyPr>
-          <a:lstStyle/>
-          <a:p>
-            <a:r>
-              <a:rPr kumimoji="1" lang="ja-JP" altLang="en-US" sz="5400" dirty="0" smtClean="0">
-                <a:latin typeface="メイリオ" panose="020B0604030504040204" pitchFamily="50" charset="-128"/>
-                <a:ea typeface="メイリオ" panose="020B0604030504040204" pitchFamily="50" charset="-128"/>
-              </a:rPr>
-              <a:t>少子高齢化が進行する日本</a:t>
-            </a:r>
-            <a:endParaRPr kumimoji="1" lang="en-US" altLang="ja-JP" sz="5400" dirty="0" smtClean="0">
-              <a:latin typeface="メイリオ" panose="020B0604030504040204" pitchFamily="50" charset="-128"/>
-              <a:ea typeface="メイリオ" panose="020B0604030504040204" pitchFamily="50" charset="-128"/>
-            </a:endParaRPr>
-          </a:p>
-          <a:p>
-            <a:r>
-              <a:rPr lang="ja-JP" altLang="en-US" sz="5400" dirty="0" smtClean="0">
-                <a:latin typeface="メイリオ" panose="020B0604030504040204" pitchFamily="50" charset="-128"/>
-                <a:ea typeface="メイリオ" panose="020B0604030504040204" pitchFamily="50" charset="-128"/>
-              </a:rPr>
-              <a:t>　→ 年々増加する介護の需要</a:t>
-            </a:r>
-            <a:endParaRPr kumimoji="1" lang="ja-JP" altLang="en-US" sz="5400" dirty="0">
-              <a:latin typeface="メイリオ" panose="020B0604030504040204" pitchFamily="50" charset="-128"/>
-              <a:ea typeface="メイリオ" panose="020B0604030504040204" pitchFamily="50" charset="-128"/>
-            </a:endParaRPr>
-          </a:p>
-        </p:txBody>
-      </p:sp>
-      <p:sp>
-        <p:nvSpPr>
-          <p:cNvPr id="31" name="テキスト ボックス 30"/>
-          <p:cNvSpPr txBox="1"/>
-          <p:nvPr/>
-        </p:nvSpPr>
-        <p:spPr>
-          <a:xfrm>
-            <a:off x="1199460" y="6991649"/>
-            <a:ext cx="12734300" cy="2585323"/>
-          </a:xfrm>
-          <a:prstGeom prst="rect">
-            <a:avLst/>
-          </a:prstGeom>
-          <a:noFill/>
-        </p:spPr>
-        <p:txBody>
-          <a:bodyPr wrap="square" rtlCol="0">
-            <a:spAutoFit/>
-          </a:bodyPr>
-          <a:lstStyle/>
-          <a:p>
-            <a:r>
-              <a:rPr kumimoji="1" lang="ja-JP" altLang="en-US" sz="5400" dirty="0" smtClean="0">
-                <a:latin typeface="メイリオ" panose="020B0604030504040204" pitchFamily="50" charset="-128"/>
-                <a:ea typeface="メイリオ" panose="020B0604030504040204" pitchFamily="50" charset="-128"/>
-              </a:rPr>
-              <a:t>厳しい労働環境のため，</a:t>
-            </a:r>
-            <a:r>
-              <a:rPr kumimoji="1" lang="ja-JP" altLang="en-US" sz="5400" u="sng" dirty="0" smtClean="0">
-                <a:latin typeface="メイリオ" panose="020B0604030504040204" pitchFamily="50" charset="-128"/>
-                <a:ea typeface="メイリオ" panose="020B0604030504040204" pitchFamily="50" charset="-128"/>
-              </a:rPr>
-              <a:t>離職率は高い</a:t>
-            </a:r>
-            <a:endParaRPr kumimoji="1" lang="en-US" altLang="ja-JP" sz="5400" dirty="0" smtClean="0">
-              <a:latin typeface="メイリオ" panose="020B0604030504040204" pitchFamily="50" charset="-128"/>
-              <a:ea typeface="メイリオ" panose="020B0604030504040204" pitchFamily="50" charset="-128"/>
-            </a:endParaRPr>
-          </a:p>
-          <a:p>
-            <a:r>
-              <a:rPr lang="ja-JP" altLang="en-US" sz="5400" dirty="0" smtClean="0">
-                <a:latin typeface="メイリオ" panose="020B0604030504040204" pitchFamily="50" charset="-128"/>
-                <a:ea typeface="メイリオ" panose="020B0604030504040204" pitchFamily="50" charset="-128"/>
-              </a:rPr>
-              <a:t>介護職員は増えているものの，</a:t>
-            </a:r>
-            <a:endParaRPr lang="en-US" altLang="ja-JP" sz="5400" dirty="0" smtClean="0">
-              <a:latin typeface="メイリオ" panose="020B0604030504040204" pitchFamily="50" charset="-128"/>
-              <a:ea typeface="メイリオ" panose="020B0604030504040204" pitchFamily="50" charset="-128"/>
-            </a:endParaRPr>
-          </a:p>
-          <a:p>
-            <a:r>
-              <a:rPr kumimoji="1" lang="ja-JP" altLang="en-US" sz="5400" dirty="0" smtClean="0">
-                <a:latin typeface="メイリオ" panose="020B0604030504040204" pitchFamily="50" charset="-128"/>
-                <a:ea typeface="メイリオ" panose="020B0604030504040204" pitchFamily="50" charset="-128"/>
-              </a:rPr>
-              <a:t>それ</a:t>
-            </a:r>
-            <a:r>
-              <a:rPr kumimoji="1" lang="ja-JP" altLang="en-US" sz="5400" dirty="0">
-                <a:latin typeface="メイリオ" panose="020B0604030504040204" pitchFamily="50" charset="-128"/>
-                <a:ea typeface="メイリオ" panose="020B0604030504040204" pitchFamily="50" charset="-128"/>
-              </a:rPr>
-              <a:t>以上</a:t>
-            </a:r>
-            <a:r>
-              <a:rPr kumimoji="1" lang="ja-JP" altLang="en-US" sz="5400" dirty="0" smtClean="0">
-                <a:latin typeface="メイリオ" panose="020B0604030504040204" pitchFamily="50" charset="-128"/>
-                <a:ea typeface="メイリオ" panose="020B0604030504040204" pitchFamily="50" charset="-128"/>
-              </a:rPr>
-              <a:t>に</a:t>
-            </a:r>
-            <a:r>
-              <a:rPr kumimoji="1" lang="ja-JP" altLang="en-US" sz="5400" u="sng" dirty="0" smtClean="0">
-                <a:latin typeface="メイリオ" panose="020B0604030504040204" pitchFamily="50" charset="-128"/>
-                <a:ea typeface="メイリオ" panose="020B0604030504040204" pitchFamily="50" charset="-128"/>
-              </a:rPr>
-              <a:t>需要の増加率が高い</a:t>
-            </a:r>
-            <a:endParaRPr kumimoji="1" lang="ja-JP" altLang="en-US" sz="5400" dirty="0">
-              <a:latin typeface="メイリオ" panose="020B0604030504040204" pitchFamily="50" charset="-128"/>
-              <a:ea typeface="メイリオ" panose="020B0604030504040204" pitchFamily="50" charset="-128"/>
-            </a:endParaRPr>
-          </a:p>
-        </p:txBody>
-      </p:sp>
-      <p:sp>
-        <p:nvSpPr>
-          <p:cNvPr id="32" name="テキスト ボックス 31"/>
-          <p:cNvSpPr txBox="1"/>
-          <p:nvPr/>
-        </p:nvSpPr>
-        <p:spPr>
-          <a:xfrm>
-            <a:off x="865203" y="6138987"/>
-            <a:ext cx="2418726" cy="923330"/>
-          </a:xfrm>
-          <a:prstGeom prst="rect">
-            <a:avLst/>
-          </a:prstGeom>
-          <a:noFill/>
-        </p:spPr>
-        <p:txBody>
-          <a:bodyPr wrap="square" rtlCol="0">
-            <a:spAutoFit/>
-          </a:bodyPr>
-          <a:lstStyle/>
-          <a:p>
-            <a:r>
-              <a:rPr kumimoji="1" lang="ja-JP" altLang="en-US" sz="5400" dirty="0" smtClean="0">
-                <a:solidFill>
-                  <a:srgbClr val="FF0000"/>
-                </a:solidFill>
-                <a:latin typeface="メイリオ" panose="020B0604030504040204" pitchFamily="50" charset="-128"/>
-                <a:ea typeface="メイリオ" panose="020B0604030504040204" pitchFamily="50" charset="-128"/>
-              </a:rPr>
-              <a:t>しかし</a:t>
-            </a:r>
-            <a:endParaRPr kumimoji="1" lang="ja-JP" altLang="en-US" sz="5400" dirty="0">
-              <a:solidFill>
-                <a:srgbClr val="FF0000"/>
-              </a:solidFill>
-              <a:latin typeface="メイリオ" panose="020B0604030504040204" pitchFamily="50" charset="-128"/>
-              <a:ea typeface="メイリオ" panose="020B0604030504040204" pitchFamily="50" charset="-128"/>
-            </a:endParaRPr>
-          </a:p>
-        </p:txBody>
-      </p:sp>
-      <p:sp>
-        <p:nvSpPr>
-          <p:cNvPr id="33" name="テキスト ボックス 32"/>
-          <p:cNvSpPr txBox="1"/>
-          <p:nvPr/>
-        </p:nvSpPr>
-        <p:spPr>
-          <a:xfrm>
-            <a:off x="18347759" y="9544849"/>
-            <a:ext cx="3039041" cy="338554"/>
-          </a:xfrm>
-          <a:prstGeom prst="rect">
-            <a:avLst/>
-          </a:prstGeom>
-          <a:noFill/>
-        </p:spPr>
-        <p:txBody>
-          <a:bodyPr wrap="square" rtlCol="0">
-            <a:spAutoFit/>
-          </a:bodyPr>
-          <a:lstStyle/>
-          <a:p>
-            <a:r>
-              <a:rPr kumimoji="1" lang="ja-JP" altLang="en-US" sz="1600" dirty="0" smtClean="0">
-                <a:latin typeface="メイリオ" panose="020B0604030504040204" pitchFamily="50" charset="-128"/>
-                <a:ea typeface="メイリオ" panose="020B0604030504040204" pitchFamily="50" charset="-128"/>
-              </a:rPr>
-              <a:t>厚生労働省</a:t>
-            </a:r>
-            <a:r>
-              <a:rPr kumimoji="1" lang="en-US" altLang="ja-JP" sz="1600" dirty="0" smtClean="0">
-                <a:latin typeface="メイリオ" panose="020B0604030504040204" pitchFamily="50" charset="-128"/>
-                <a:ea typeface="メイリオ" panose="020B0604030504040204" pitchFamily="50" charset="-128"/>
-              </a:rPr>
-              <a:t>HP</a:t>
-            </a:r>
-            <a:r>
-              <a:rPr kumimoji="1" lang="ja-JP" altLang="en-US" sz="1600" dirty="0" smtClean="0">
-                <a:latin typeface="メイリオ" panose="020B0604030504040204" pitchFamily="50" charset="-128"/>
-                <a:ea typeface="メイリオ" panose="020B0604030504040204" pitchFamily="50" charset="-128"/>
-              </a:rPr>
-              <a:t>よりデータ抜粋</a:t>
-            </a:r>
-            <a:endParaRPr kumimoji="1" lang="ja-JP" altLang="en-US" sz="1600" dirty="0">
-              <a:latin typeface="メイリオ" panose="020B0604030504040204" pitchFamily="50" charset="-128"/>
-              <a:ea typeface="メイリオ" panose="020B0604030504040204" pitchFamily="50" charset="-128"/>
-            </a:endParaRPr>
-          </a:p>
-        </p:txBody>
-      </p:sp>
       <p:pic>
         <p:nvPicPr>
           <p:cNvPr id="5" name="図 4"/>
@@ -5186,25 +5672,76 @@
           </p:cNvPicPr>
           <p:nvPr/>
         </p:nvPicPr>
-        <p:blipFill rotWithShape="1">
-          <a:blip r:embed="rId4"/>
-          <a:srcRect l="2908" t="4454" r="1297" b="2750"/>
-          <a:stretch/>
+        <p:blipFill>
+          <a:blip r:embed="rId5"/>
+          <a:stretch>
+            <a:fillRect/>
+          </a:stretch>
         </p:blipFill>
         <p:spPr>
           <a:xfrm>
-            <a:off x="13003107" y="4886149"/>
-            <a:ext cx="8267751" cy="4618025"/>
+            <a:off x="2024374" y="17517724"/>
+            <a:ext cx="16018237" cy="4502250"/>
           </a:xfrm>
           <a:prstGeom prst="rect">
             <a:avLst/>
           </a:prstGeom>
         </p:spPr>
       </p:pic>
+      <p:sp>
+        <p:nvSpPr>
+          <p:cNvPr id="39" name="テキスト ボックス 38"/>
+          <p:cNvSpPr txBox="1"/>
+          <p:nvPr/>
+        </p:nvSpPr>
+        <p:spPr>
+          <a:xfrm>
+            <a:off x="12693288" y="21908739"/>
+            <a:ext cx="5248553" cy="584775"/>
+          </a:xfrm>
+          <a:prstGeom prst="rect">
+            <a:avLst/>
+          </a:prstGeom>
+          <a:noFill/>
+        </p:spPr>
+        <p:txBody>
+          <a:bodyPr wrap="none" rtlCol="0">
+            <a:spAutoFit/>
+          </a:bodyPr>
+          <a:lstStyle/>
+          <a:p>
+            <a:r>
+              <a:rPr kumimoji="1" lang="ja-JP" altLang="en-US" sz="3200" dirty="0" smtClean="0">
+                <a:latin typeface="メイリオ" panose="020B0604030504040204" pitchFamily="50" charset="-128"/>
+                <a:ea typeface="メイリオ" panose="020B0604030504040204" pitchFamily="50" charset="-128"/>
+              </a:rPr>
+              <a:t>表</a:t>
+            </a:r>
+            <a:r>
+              <a:rPr lang="ja-JP" altLang="en-US" sz="3200" dirty="0">
+                <a:latin typeface="メイリオ" panose="020B0604030504040204" pitchFamily="50" charset="-128"/>
+                <a:ea typeface="メイリオ" panose="020B0604030504040204" pitchFamily="50" charset="-128"/>
+              </a:rPr>
+              <a:t>２</a:t>
+            </a:r>
+            <a:r>
+              <a:rPr kumimoji="1" lang="ja-JP" altLang="en-US" sz="3200" dirty="0" smtClean="0">
+                <a:latin typeface="メイリオ" panose="020B0604030504040204" pitchFamily="50" charset="-128"/>
+                <a:ea typeface="メイリオ" panose="020B0604030504040204" pitchFamily="50" charset="-128"/>
+              </a:rPr>
+              <a:t> 各タスクの期間と内容</a:t>
+            </a:r>
+            <a:endParaRPr kumimoji="1" lang="ja-JP" altLang="en-US" sz="3200" dirty="0">
+              <a:latin typeface="メイリオ" panose="020B0604030504040204" pitchFamily="50" charset="-128"/>
+              <a:ea typeface="メイリオ" panose="020B0604030504040204" pitchFamily="50" charset="-128"/>
+            </a:endParaRPr>
+          </a:p>
+        </p:txBody>
+      </p:sp>
     </p:spTree>
     <p:extLst>
       <p:ext uri="{BB962C8B-B14F-4D97-AF65-F5344CB8AC3E}">
-        <p14:creationId xmlns:p14="http://schemas.microsoft.com/office/powerpoint/2010/main" val="2962967415"/>
+        <p14:creationId xmlns:p14="http://schemas.microsoft.com/office/powerpoint/2010/main" val="40722479"/>
       </p:ext>
     </p:extLst>
   </p:cSld>
